--- a/PPT/1_28.pptx
+++ b/PPT/1_28.pptx
@@ -4304,8 +4304,8 @@
           <a:chExt cx="0" cy="0"/>
         </a:xfrm>
       </p:grpSpPr>
-      <mc:AlternateContent xmlns:mc="http://schemas.openxmlformats.org/markup-compatibility/2006" xmlns:a14="http://schemas.microsoft.com/office/drawing/2010/main">
-        <mc:Choice Requires="a14">
+      <mc:AlternateContent xmlns:mc="http://schemas.openxmlformats.org/markup-compatibility/2006">
+        <mc:Choice xmlns:a14="http://schemas.microsoft.com/office/drawing/2010/main" Requires="a14">
           <p:sp>
             <p:nvSpPr>
               <p:cNvPr id="4" name="文本框 3">
@@ -4368,31 +4368,12 @@
                             </a:rPr>
                             <m:t>(</m:t>
                           </m:r>
-                          <m:sSub>
-                            <m:sSubPr>
-                              <m:ctrlPr>
-                                <a:rPr lang="en-US" altLang="zh-CN" i="1">
-                                  <a:latin typeface="Cambria Math" panose="02040503050406030204" pitchFamily="18" charset="0"/>
-                                </a:rPr>
-                              </m:ctrlPr>
-                            </m:sSubPr>
-                            <m:e>
-                              <m:r>
-                                <a:rPr lang="en-US" altLang="zh-CN" i="1">
-                                  <a:latin typeface="Cambria Math" panose="02040503050406030204" pitchFamily="18" charset="0"/>
-                                </a:rPr>
-                                <m:t>𝑡</m:t>
-                              </m:r>
-                            </m:e>
-                            <m:sub>
-                              <m:r>
-                                <a:rPr lang="en-US" altLang="zh-CN" i="1">
-                                  <a:latin typeface="Cambria Math" panose="02040503050406030204" pitchFamily="18" charset="0"/>
-                                </a:rPr>
-                                <m:t>𝑘</m:t>
-                              </m:r>
-                            </m:sub>
-                          </m:sSub>
+                          <m:r>
+                            <a:rPr lang="en-US" altLang="zh-CN" b="0" i="1" smtClean="0">
+                              <a:latin typeface="Cambria Math" panose="02040503050406030204" pitchFamily="18" charset="0"/>
+                            </a:rPr>
+                            <m:t>𝑡</m:t>
+                          </m:r>
                           <m:r>
                             <a:rPr lang="en-US" altLang="zh-CN" b="0" i="1" smtClean="0">
                               <a:latin typeface="Cambria Math" panose="02040503050406030204" pitchFamily="18" charset="0"/>
@@ -4411,31 +4392,12 @@
                             </a:rPr>
                             <m:t>(</m:t>
                           </m:r>
-                          <m:sSub>
-                            <m:sSubPr>
-                              <m:ctrlPr>
-                                <a:rPr lang="en-US" altLang="zh-CN" i="1">
-                                  <a:latin typeface="Cambria Math" panose="02040503050406030204" pitchFamily="18" charset="0"/>
-                                </a:rPr>
-                              </m:ctrlPr>
-                            </m:sSubPr>
-                            <m:e>
-                              <m:r>
-                                <a:rPr lang="en-US" altLang="zh-CN" i="1">
-                                  <a:latin typeface="Cambria Math" panose="02040503050406030204" pitchFamily="18" charset="0"/>
-                                </a:rPr>
-                                <m:t>𝑡</m:t>
-                              </m:r>
-                            </m:e>
-                            <m:sub>
-                              <m:r>
-                                <a:rPr lang="en-US" altLang="zh-CN" i="1">
-                                  <a:latin typeface="Cambria Math" panose="02040503050406030204" pitchFamily="18" charset="0"/>
-                                </a:rPr>
-                                <m:t>𝑘</m:t>
-                              </m:r>
-                            </m:sub>
-                          </m:sSub>
+                          <m:r>
+                            <a:rPr lang="en-US" altLang="zh-CN" b="0" i="1" smtClean="0">
+                              <a:latin typeface="Cambria Math" panose="02040503050406030204" pitchFamily="18" charset="0"/>
+                            </a:rPr>
+                            <m:t>𝑡</m:t>
+                          </m:r>
                           <m:r>
                             <a:rPr lang="en-US" altLang="zh-CN" b="0" i="1" smtClean="0">
                               <a:latin typeface="Cambria Math" panose="02040503050406030204" pitchFamily="18" charset="0"/>
@@ -4550,31 +4512,12 @@
                                     </a:rPr>
                                     <m:t>,</m:t>
                                   </m:r>
-                                  <m:sSub>
-                                    <m:sSubPr>
-                                      <m:ctrlPr>
-                                        <a:rPr lang="en-US" altLang="zh-CN" i="1">
-                                          <a:latin typeface="Cambria Math" panose="02040503050406030204" pitchFamily="18" charset="0"/>
-                                        </a:rPr>
-                                      </m:ctrlPr>
-                                    </m:sSubPr>
-                                    <m:e>
-                                      <m:r>
-                                        <a:rPr lang="en-US" altLang="zh-CN" i="1">
-                                          <a:latin typeface="Cambria Math" panose="02040503050406030204" pitchFamily="18" charset="0"/>
-                                        </a:rPr>
-                                        <m:t>𝑡</m:t>
-                                      </m:r>
-                                    </m:e>
-                                    <m:sub>
-                                      <m:r>
-                                        <a:rPr lang="en-US" altLang="zh-CN" i="1">
-                                          <a:latin typeface="Cambria Math" panose="02040503050406030204" pitchFamily="18" charset="0"/>
-                                        </a:rPr>
-                                        <m:t>𝑘</m:t>
-                                      </m:r>
-                                    </m:sub>
-                                  </m:sSub>
+                                  <m:r>
+                                    <a:rPr lang="en-US" altLang="zh-CN" b="0" i="1" smtClean="0">
+                                      <a:latin typeface="Cambria Math" panose="02040503050406030204" pitchFamily="18" charset="0"/>
+                                    </a:rPr>
+                                    <m:t>𝑡</m:t>
+                                  </m:r>
                                 </m:e>
                               </m:d>
                             </m:sup>
@@ -4838,31 +4781,12 @@
                                             </a:rPr>
                                             <m:t>,</m:t>
                                           </m:r>
-                                          <m:sSub>
-                                            <m:sSubPr>
-                                              <m:ctrlPr>
-                                                <a:rPr lang="en-US" altLang="zh-CN" i="1">
-                                                  <a:latin typeface="Cambria Math" panose="02040503050406030204" pitchFamily="18" charset="0"/>
-                                                </a:rPr>
-                                              </m:ctrlPr>
-                                            </m:sSubPr>
-                                            <m:e>
-                                              <m:r>
-                                                <a:rPr lang="en-US" altLang="zh-CN" i="1">
-                                                  <a:latin typeface="Cambria Math" panose="02040503050406030204" pitchFamily="18" charset="0"/>
-                                                </a:rPr>
-                                                <m:t>𝑡</m:t>
-                                              </m:r>
-                                            </m:e>
-                                            <m:sub>
-                                              <m:r>
-                                                <a:rPr lang="en-US" altLang="zh-CN" i="1">
-                                                  <a:latin typeface="Cambria Math" panose="02040503050406030204" pitchFamily="18" charset="0"/>
-                                                </a:rPr>
-                                                <m:t>𝑘</m:t>
-                                              </m:r>
-                                            </m:sub>
-                                          </m:sSub>
+                                          <m:r>
+                                            <a:rPr lang="en-US" altLang="zh-CN" b="0" i="1" smtClean="0">
+                                              <a:latin typeface="Cambria Math" panose="02040503050406030204" pitchFamily="18" charset="0"/>
+                                            </a:rPr>
+                                            <m:t>𝑡</m:t>
+                                          </m:r>
                                         </m:e>
                                       </m:d>
                                     </m:e>
@@ -4902,31 +4826,12 @@
                                     </a:rPr>
                                     <m:t>,</m:t>
                                   </m:r>
-                                  <m:sSub>
-                                    <m:sSubPr>
-                                      <m:ctrlPr>
-                                        <a:rPr lang="en-US" altLang="zh-CN" i="1">
-                                          <a:latin typeface="Cambria Math" panose="02040503050406030204" pitchFamily="18" charset="0"/>
-                                        </a:rPr>
-                                      </m:ctrlPr>
-                                    </m:sSubPr>
-                                    <m:e>
-                                      <m:r>
-                                        <a:rPr lang="en-US" altLang="zh-CN" i="1">
-                                          <a:latin typeface="Cambria Math" panose="02040503050406030204" pitchFamily="18" charset="0"/>
-                                        </a:rPr>
-                                        <m:t>𝑡</m:t>
-                                      </m:r>
-                                    </m:e>
-                                    <m:sub>
-                                      <m:r>
-                                        <a:rPr lang="en-US" altLang="zh-CN" i="1">
-                                          <a:latin typeface="Cambria Math" panose="02040503050406030204" pitchFamily="18" charset="0"/>
-                                        </a:rPr>
-                                        <m:t>𝑘</m:t>
-                                      </m:r>
-                                    </m:sub>
-                                  </m:sSub>
+                                  <m:r>
+                                    <a:rPr lang="en-US" altLang="zh-CN" b="0" i="1" smtClean="0">
+                                      <a:latin typeface="Cambria Math" panose="02040503050406030204" pitchFamily="18" charset="0"/>
+                                    </a:rPr>
+                                    <m:t>𝑡</m:t>
+                                  </m:r>
                                 </m:e>
                               </m:d>
                             </m:num>
@@ -5037,31 +4942,12 @@
                                     </a:rPr>
                                     <m:t>,</m:t>
                                   </m:r>
-                                  <m:sSub>
-                                    <m:sSubPr>
-                                      <m:ctrlPr>
-                                        <a:rPr lang="en-US" altLang="zh-CN" i="1">
-                                          <a:latin typeface="Cambria Math" panose="02040503050406030204" pitchFamily="18" charset="0"/>
-                                        </a:rPr>
-                                      </m:ctrlPr>
-                                    </m:sSubPr>
-                                    <m:e>
-                                      <m:r>
-                                        <a:rPr lang="en-US" altLang="zh-CN" i="1">
-                                          <a:latin typeface="Cambria Math" panose="02040503050406030204" pitchFamily="18" charset="0"/>
-                                        </a:rPr>
-                                        <m:t>𝑡</m:t>
-                                      </m:r>
-                                    </m:e>
-                                    <m:sub>
-                                      <m:r>
-                                        <a:rPr lang="en-US" altLang="zh-CN" i="1">
-                                          <a:latin typeface="Cambria Math" panose="02040503050406030204" pitchFamily="18" charset="0"/>
-                                        </a:rPr>
-                                        <m:t>𝑘</m:t>
-                                      </m:r>
-                                    </m:sub>
-                                  </m:sSub>
+                                  <m:r>
+                                    <a:rPr lang="en-US" altLang="zh-CN" b="0" i="1" smtClean="0">
+                                      <a:latin typeface="Cambria Math" panose="02040503050406030204" pitchFamily="18" charset="0"/>
+                                    </a:rPr>
+                                    <m:t>𝑡</m:t>
+                                  </m:r>
                                 </m:e>
                               </m:nary>
                               <m:r>
@@ -5088,7 +4974,7 @@
             </p:txBody>
           </p:sp>
         </mc:Choice>
-        <mc:Fallback xmlns="">
+        <mc:Fallback>
           <p:sp>
             <p:nvSpPr>
               <p:cNvPr id="4" name="文本框 3">
@@ -6106,31 +5992,12 @@
                           </a:rPr>
                           <m:t>(</m:t>
                         </m:r>
-                        <m:sSub>
-                          <m:sSubPr>
-                            <m:ctrlPr>
-                              <a:rPr lang="en-US" altLang="zh-CN" i="1">
-                                <a:latin typeface="Cambria Math" panose="02040503050406030204" pitchFamily="18" charset="0"/>
-                              </a:rPr>
-                            </m:ctrlPr>
-                          </m:sSubPr>
-                          <m:e>
-                            <m:r>
-                              <a:rPr lang="en-US" altLang="zh-CN" i="1">
-                                <a:latin typeface="Cambria Math" panose="02040503050406030204" pitchFamily="18" charset="0"/>
-                              </a:rPr>
-                              <m:t>𝑡</m:t>
-                            </m:r>
-                          </m:e>
-                          <m:sub>
-                            <m:r>
-                              <a:rPr lang="en-US" altLang="zh-CN" i="1">
-                                <a:latin typeface="Cambria Math" panose="02040503050406030204" pitchFamily="18" charset="0"/>
-                              </a:rPr>
-                              <m:t>𝑘</m:t>
-                            </m:r>
-                          </m:sub>
-                        </m:sSub>
+                        <m:r>
+                          <a:rPr lang="en-US" altLang="zh-CN" b="0" i="1" smtClean="0">
+                            <a:latin typeface="Cambria Math" panose="02040503050406030204" pitchFamily="18" charset="0"/>
+                          </a:rPr>
+                          <m:t>𝑡</m:t>
+                        </m:r>
                         <m:r>
                           <a:rPr lang="en-US" altLang="zh-CN" b="0" i="1" smtClean="0">
                             <a:latin typeface="Cambria Math" panose="02040503050406030204" pitchFamily="18" charset="0"/>
@@ -6149,31 +6016,12 @@
                           </a:rPr>
                           <m:t>(</m:t>
                         </m:r>
-                        <m:sSub>
-                          <m:sSubPr>
-                            <m:ctrlPr>
-                              <a:rPr lang="en-US" altLang="zh-CN" i="1">
-                                <a:latin typeface="Cambria Math" panose="02040503050406030204" pitchFamily="18" charset="0"/>
-                              </a:rPr>
-                            </m:ctrlPr>
-                          </m:sSubPr>
-                          <m:e>
-                            <m:r>
-                              <a:rPr lang="en-US" altLang="zh-CN" i="1">
-                                <a:latin typeface="Cambria Math" panose="02040503050406030204" pitchFamily="18" charset="0"/>
-                              </a:rPr>
-                              <m:t>𝑡</m:t>
-                            </m:r>
-                          </m:e>
-                          <m:sub>
-                            <m:r>
-                              <a:rPr lang="en-US" altLang="zh-CN" i="1">
-                                <a:latin typeface="Cambria Math" panose="02040503050406030204" pitchFamily="18" charset="0"/>
-                              </a:rPr>
-                              <m:t>𝑘</m:t>
-                            </m:r>
-                          </m:sub>
-                        </m:sSub>
+                        <m:r>
+                          <a:rPr lang="en-US" altLang="zh-CN" b="0" i="1" smtClean="0">
+                            <a:latin typeface="Cambria Math" panose="02040503050406030204" pitchFamily="18" charset="0"/>
+                          </a:rPr>
+                          <m:t>𝑡</m:t>
+                        </m:r>
                         <m:r>
                           <a:rPr lang="en-US" altLang="zh-CN" b="0" i="1" smtClean="0">
                             <a:latin typeface="Cambria Math" panose="02040503050406030204" pitchFamily="18" charset="0"/>
@@ -6302,31 +6150,12 @@
                                   </a:rPr>
                                   <m:t>,</m:t>
                                 </m:r>
-                                <m:sSub>
-                                  <m:sSubPr>
-                                    <m:ctrlPr>
-                                      <a:rPr lang="en-US" altLang="zh-CN" i="1">
-                                        <a:latin typeface="Cambria Math" panose="02040503050406030204" pitchFamily="18" charset="0"/>
-                                      </a:rPr>
-                                    </m:ctrlPr>
-                                  </m:sSubPr>
-                                  <m:e>
-                                    <m:r>
-                                      <a:rPr lang="en-US" altLang="zh-CN" i="1">
-                                        <a:latin typeface="Cambria Math" panose="02040503050406030204" pitchFamily="18" charset="0"/>
-                                      </a:rPr>
-                                      <m:t>𝑡</m:t>
-                                    </m:r>
-                                  </m:e>
-                                  <m:sub>
-                                    <m:r>
-                                      <a:rPr lang="en-US" altLang="zh-CN" i="1">
-                                        <a:latin typeface="Cambria Math" panose="02040503050406030204" pitchFamily="18" charset="0"/>
-                                      </a:rPr>
-                                      <m:t>𝑘</m:t>
-                                    </m:r>
-                                  </m:sub>
-                                </m:sSub>
+                                <m:r>
+                                  <a:rPr lang="en-US" altLang="zh-CN" b="0" i="1" smtClean="0">
+                                    <a:latin typeface="Cambria Math" panose="02040503050406030204" pitchFamily="18" charset="0"/>
+                                  </a:rPr>
+                                  <m:t>𝑡</m:t>
+                                </m:r>
                               </m:e>
                             </m:d>
                           </m:sup>
@@ -6587,31 +6416,12 @@
                                       </a:rPr>
                                       <m:t>,</m:t>
                                     </m:r>
-                                    <m:sSub>
-                                      <m:sSubPr>
-                                        <m:ctrlPr>
-                                          <a:rPr lang="en-US" altLang="zh-CN" i="1">
-                                            <a:latin typeface="Cambria Math" panose="02040503050406030204" pitchFamily="18" charset="0"/>
-                                          </a:rPr>
-                                        </m:ctrlPr>
-                                      </m:sSubPr>
-                                      <m:e>
-                                        <m:r>
-                                          <a:rPr lang="en-US" altLang="zh-CN" i="1">
-                                            <a:latin typeface="Cambria Math" panose="02040503050406030204" pitchFamily="18" charset="0"/>
-                                          </a:rPr>
-                                          <m:t>𝑡</m:t>
-                                        </m:r>
-                                      </m:e>
-                                      <m:sub>
-                                        <m:r>
-                                          <a:rPr lang="en-US" altLang="zh-CN" i="1">
-                                            <a:latin typeface="Cambria Math" panose="02040503050406030204" pitchFamily="18" charset="0"/>
-                                          </a:rPr>
-                                          <m:t>𝑘</m:t>
-                                        </m:r>
-                                      </m:sub>
-                                    </m:sSub>
+                                    <m:r>
+                                      <a:rPr lang="en-US" altLang="zh-CN" b="0" i="1" smtClean="0">
+                                        <a:latin typeface="Cambria Math" panose="02040503050406030204" pitchFamily="18" charset="0"/>
+                                      </a:rPr>
+                                      <m:t>𝑡</m:t>
+                                    </m:r>
                                   </m:e>
                                 </m:d>
                               </m:e>
@@ -6651,31 +6461,12 @@
                               </a:rPr>
                               <m:t>,</m:t>
                             </m:r>
-                            <m:sSub>
-                              <m:sSubPr>
-                                <m:ctrlPr>
-                                  <a:rPr lang="en-US" altLang="zh-CN" i="1">
-                                    <a:latin typeface="Cambria Math" panose="02040503050406030204" pitchFamily="18" charset="0"/>
-                                  </a:rPr>
-                                </m:ctrlPr>
-                              </m:sSubPr>
-                              <m:e>
-                                <m:r>
-                                  <a:rPr lang="en-US" altLang="zh-CN" i="1">
-                                    <a:latin typeface="Cambria Math" panose="02040503050406030204" pitchFamily="18" charset="0"/>
-                                  </a:rPr>
-                                  <m:t>𝑡</m:t>
-                                </m:r>
-                              </m:e>
-                              <m:sub>
-                                <m:r>
-                                  <a:rPr lang="en-US" altLang="zh-CN" i="1">
-                                    <a:latin typeface="Cambria Math" panose="02040503050406030204" pitchFamily="18" charset="0"/>
-                                  </a:rPr>
-                                  <m:t>𝑘</m:t>
-                                </m:r>
-                              </m:sub>
-                            </m:sSub>
+                            <m:r>
+                              <a:rPr lang="en-US" altLang="zh-CN" b="0" i="1" smtClean="0">
+                                <a:latin typeface="Cambria Math" panose="02040503050406030204" pitchFamily="18" charset="0"/>
+                              </a:rPr>
+                              <m:t>𝑡</m:t>
+                            </m:r>
                           </m:e>
                         </m:d>
                       </m:num>
@@ -6786,31 +6577,12 @@
                               </a:rPr>
                               <m:t>,</m:t>
                             </m:r>
-                            <m:sSub>
-                              <m:sSubPr>
-                                <m:ctrlPr>
-                                  <a:rPr lang="en-US" altLang="zh-CN" i="1">
-                                    <a:latin typeface="Cambria Math" panose="02040503050406030204" pitchFamily="18" charset="0"/>
-                                  </a:rPr>
-                                </m:ctrlPr>
-                              </m:sSubPr>
-                              <m:e>
-                                <m:r>
-                                  <a:rPr lang="en-US" altLang="zh-CN" i="1">
-                                    <a:latin typeface="Cambria Math" panose="02040503050406030204" pitchFamily="18" charset="0"/>
-                                  </a:rPr>
-                                  <m:t>𝑡</m:t>
-                                </m:r>
-                              </m:e>
-                              <m:sub>
-                                <m:r>
-                                  <a:rPr lang="en-US" altLang="zh-CN" i="1">
-                                    <a:latin typeface="Cambria Math" panose="02040503050406030204" pitchFamily="18" charset="0"/>
-                                  </a:rPr>
-                                  <m:t>𝑘</m:t>
-                                </m:r>
-                              </m:sub>
-                            </m:sSub>
+                            <m:r>
+                              <a:rPr lang="en-US" altLang="zh-CN" b="0" i="1" smtClean="0">
+                                <a:latin typeface="Cambria Math" panose="02040503050406030204" pitchFamily="18" charset="0"/>
+                              </a:rPr>
+                              <m:t>𝑡</m:t>
+                            </m:r>
                           </m:e>
                         </m:nary>
                         <m:r>
@@ -6895,7 +6667,7 @@
             </p:nvSpPr>
             <p:spPr>
               <a:xfrm>
-                <a:off x="431800" y="2457996"/>
+                <a:off x="511990" y="2608773"/>
                 <a:ext cx="11026733" cy="774507"/>
               </a:xfrm>
               <a:prstGeom prst="rect">
@@ -6964,31 +6736,12 @@
                             </m:ctrlPr>
                           </m:dPr>
                           <m:e>
-                            <m:sSub>
-                              <m:sSubPr>
-                                <m:ctrlPr>
-                                  <a:rPr lang="en-US" altLang="zh-CN" i="1">
-                                    <a:latin typeface="Cambria Math" panose="02040503050406030204" pitchFamily="18" charset="0"/>
-                                  </a:rPr>
-                                </m:ctrlPr>
-                              </m:sSubPr>
-                              <m:e>
-                                <m:r>
-                                  <a:rPr lang="en-US" altLang="zh-CN" i="1">
-                                    <a:latin typeface="Cambria Math" panose="02040503050406030204" pitchFamily="18" charset="0"/>
-                                  </a:rPr>
-                                  <m:t>𝑡</m:t>
-                                </m:r>
-                              </m:e>
-                              <m:sub>
-                                <m:r>
-                                  <a:rPr lang="en-US" altLang="zh-CN" i="1">
-                                    <a:latin typeface="Cambria Math" panose="02040503050406030204" pitchFamily="18" charset="0"/>
-                                  </a:rPr>
-                                  <m:t>𝑘</m:t>
-                                </m:r>
-                              </m:sub>
-                            </m:sSub>
+                            <m:r>
+                              <a:rPr lang="en-US" altLang="zh-CN" b="0" i="1" smtClean="0">
+                                <a:latin typeface="Cambria Math" panose="02040503050406030204" pitchFamily="18" charset="0"/>
+                              </a:rPr>
+                              <m:t>𝑡</m:t>
+                            </m:r>
                           </m:e>
                         </m:d>
                         <m:r>
@@ -7012,31 +6765,12 @@
                             </m:ctrlPr>
                           </m:dPr>
                           <m:e>
-                            <m:sSub>
-                              <m:sSubPr>
-                                <m:ctrlPr>
-                                  <a:rPr lang="en-US" altLang="zh-CN" i="1" smtClean="0">
-                                    <a:latin typeface="Cambria Math" panose="02040503050406030204" pitchFamily="18" charset="0"/>
-                                  </a:rPr>
-                                </m:ctrlPr>
-                              </m:sSubPr>
-                              <m:e>
-                                <m:r>
-                                  <a:rPr lang="en-US" altLang="zh-CN" i="1">
-                                    <a:latin typeface="Cambria Math" panose="02040503050406030204" pitchFamily="18" charset="0"/>
-                                  </a:rPr>
-                                  <m:t>𝑡</m:t>
-                                </m:r>
-                              </m:e>
-                              <m:sub>
-                                <m:r>
-                                  <a:rPr lang="en-US" altLang="zh-CN" i="1">
-                                    <a:latin typeface="Cambria Math" panose="02040503050406030204" pitchFamily="18" charset="0"/>
-                                  </a:rPr>
-                                  <m:t>𝑘</m:t>
-                                </m:r>
-                              </m:sub>
-                            </m:sSub>
+                            <m:r>
+                              <a:rPr lang="en-US" altLang="zh-CN" b="0" i="1" smtClean="0">
+                                <a:latin typeface="Cambria Math" panose="02040503050406030204" pitchFamily="18" charset="0"/>
+                              </a:rPr>
+                              <m:t>𝑡</m:t>
+                            </m:r>
                           </m:e>
                         </m:d>
                       </m:e>
@@ -7113,31 +6847,12 @@
                               </a:rPr>
                               <m:t>,</m:t>
                             </m:r>
-                            <m:sSub>
-                              <m:sSubPr>
-                                <m:ctrlPr>
-                                  <a:rPr lang="en-US" altLang="zh-CN" i="1">
-                                    <a:latin typeface="Cambria Math" panose="02040503050406030204" pitchFamily="18" charset="0"/>
-                                  </a:rPr>
-                                </m:ctrlPr>
-                              </m:sSubPr>
-                              <m:e>
-                                <m:r>
-                                  <a:rPr lang="en-US" altLang="zh-CN" i="1">
-                                    <a:latin typeface="Cambria Math" panose="02040503050406030204" pitchFamily="18" charset="0"/>
-                                  </a:rPr>
-                                  <m:t>𝑡</m:t>
-                                </m:r>
-                              </m:e>
-                              <m:sub>
-                                <m:r>
-                                  <a:rPr lang="en-US" altLang="zh-CN" i="1">
-                                    <a:latin typeface="Cambria Math" panose="02040503050406030204" pitchFamily="18" charset="0"/>
-                                  </a:rPr>
-                                  <m:t>𝑘</m:t>
-                                </m:r>
-                              </m:sub>
-                            </m:sSub>
+                            <m:r>
+                              <a:rPr lang="en-US" altLang="zh-CN" b="0" i="1" smtClean="0">
+                                <a:latin typeface="Cambria Math" panose="02040503050406030204" pitchFamily="18" charset="0"/>
+                              </a:rPr>
+                              <m:t>𝑡</m:t>
+                            </m:r>
                           </m:e>
                         </m:d>
                       </m:sup>
@@ -7395,31 +7110,12 @@
                                       </a:rPr>
                                       <m:t>,</m:t>
                                     </m:r>
-                                    <m:sSub>
-                                      <m:sSubPr>
-                                        <m:ctrlPr>
-                                          <a:rPr lang="en-US" altLang="zh-CN" i="1">
-                                            <a:latin typeface="Cambria Math" panose="02040503050406030204" pitchFamily="18" charset="0"/>
-                                          </a:rPr>
-                                        </m:ctrlPr>
-                                      </m:sSubPr>
-                                      <m:e>
-                                        <m:r>
-                                          <a:rPr lang="en-US" altLang="zh-CN" i="1">
-                                            <a:latin typeface="Cambria Math" panose="02040503050406030204" pitchFamily="18" charset="0"/>
-                                          </a:rPr>
-                                          <m:t>𝑡</m:t>
-                                        </m:r>
-                                      </m:e>
-                                      <m:sub>
-                                        <m:r>
-                                          <a:rPr lang="en-US" altLang="zh-CN" i="1">
-                                            <a:latin typeface="Cambria Math" panose="02040503050406030204" pitchFamily="18" charset="0"/>
-                                          </a:rPr>
-                                          <m:t>𝑘</m:t>
-                                        </m:r>
-                                      </m:sub>
-                                    </m:sSub>
+                                    <m:r>
+                                      <a:rPr lang="en-US" altLang="zh-CN" b="0" i="1" smtClean="0">
+                                        <a:latin typeface="Cambria Math" panose="02040503050406030204" pitchFamily="18" charset="0"/>
+                                      </a:rPr>
+                                      <m:t>𝑡</m:t>
+                                    </m:r>
                                   </m:e>
                                 </m:d>
                               </m:e>
@@ -7459,31 +7155,12 @@
                               </a:rPr>
                               <m:t>,</m:t>
                             </m:r>
-                            <m:sSub>
-                              <m:sSubPr>
-                                <m:ctrlPr>
-                                  <a:rPr lang="en-US" altLang="zh-CN" i="1">
-                                    <a:latin typeface="Cambria Math" panose="02040503050406030204" pitchFamily="18" charset="0"/>
-                                  </a:rPr>
-                                </m:ctrlPr>
-                              </m:sSubPr>
-                              <m:e>
-                                <m:r>
-                                  <a:rPr lang="en-US" altLang="zh-CN" i="1">
-                                    <a:latin typeface="Cambria Math" panose="02040503050406030204" pitchFamily="18" charset="0"/>
-                                  </a:rPr>
-                                  <m:t>𝑡</m:t>
-                                </m:r>
-                              </m:e>
-                              <m:sub>
-                                <m:r>
-                                  <a:rPr lang="en-US" altLang="zh-CN" i="1">
-                                    <a:latin typeface="Cambria Math" panose="02040503050406030204" pitchFamily="18" charset="0"/>
-                                  </a:rPr>
-                                  <m:t>𝑘</m:t>
-                                </m:r>
-                              </m:sub>
-                            </m:sSub>
+                            <m:r>
+                              <a:rPr lang="en-US" altLang="zh-CN" b="0" i="1" smtClean="0">
+                                <a:latin typeface="Cambria Math" panose="02040503050406030204" pitchFamily="18" charset="0"/>
+                              </a:rPr>
+                              <m:t>𝑡</m:t>
+                            </m:r>
                           </m:e>
                         </m:d>
                       </m:num>
@@ -7594,31 +7271,12 @@
                               </a:rPr>
                               <m:t>,</m:t>
                             </m:r>
-                            <m:sSub>
-                              <m:sSubPr>
-                                <m:ctrlPr>
-                                  <a:rPr lang="en-US" altLang="zh-CN" i="1">
-                                    <a:latin typeface="Cambria Math" panose="02040503050406030204" pitchFamily="18" charset="0"/>
-                                  </a:rPr>
-                                </m:ctrlPr>
-                              </m:sSubPr>
-                              <m:e>
-                                <m:r>
-                                  <a:rPr lang="en-US" altLang="zh-CN" i="1">
-                                    <a:latin typeface="Cambria Math" panose="02040503050406030204" pitchFamily="18" charset="0"/>
-                                  </a:rPr>
-                                  <m:t>𝑡</m:t>
-                                </m:r>
-                              </m:e>
-                              <m:sub>
-                                <m:r>
-                                  <a:rPr lang="en-US" altLang="zh-CN" i="1">
-                                    <a:latin typeface="Cambria Math" panose="02040503050406030204" pitchFamily="18" charset="0"/>
-                                  </a:rPr>
-                                  <m:t>𝑘</m:t>
-                                </m:r>
-                              </m:sub>
-                            </m:sSub>
+                            <m:r>
+                              <a:rPr lang="en-US" altLang="zh-CN" b="0" i="1" smtClean="0">
+                                <a:latin typeface="Cambria Math" panose="02040503050406030204" pitchFamily="18" charset="0"/>
+                              </a:rPr>
+                              <m:t>𝑡</m:t>
+                            </m:r>
                           </m:e>
                         </m:nary>
                         <m:r>
@@ -7659,7 +7317,7 @@
             </p:nvSpPr>
             <p:spPr>
               <a:xfrm>
-                <a:off x="431800" y="2457996"/>
+                <a:off x="511990" y="2608773"/>
                 <a:ext cx="11026733" cy="774507"/>
               </a:xfrm>
               <a:prstGeom prst="rect">
@@ -7687,8 +7345,8 @@
           </p:sp>
         </mc:Fallback>
       </mc:AlternateContent>
-      <mc:AlternateContent xmlns:mc="http://schemas.openxmlformats.org/markup-compatibility/2006">
-        <mc:Choice xmlns:a14="http://schemas.microsoft.com/office/drawing/2010/main" Requires="a14">
+      <mc:AlternateContent xmlns:mc="http://schemas.openxmlformats.org/markup-compatibility/2006" xmlns:a14="http://schemas.microsoft.com/office/drawing/2010/main">
+        <mc:Choice Requires="a14">
           <p:sp>
             <p:nvSpPr>
               <p:cNvPr id="15" name="文本框 14">
@@ -8182,7 +7840,7 @@
             </p:txBody>
           </p:sp>
         </mc:Choice>
-        <mc:Fallback>
+        <mc:Fallback xmlns="">
           <p:sp>
             <p:nvSpPr>
               <p:cNvPr id="15" name="文本框 14">
@@ -8598,7 +8256,7 @@
         </p:nvSpPr>
         <p:spPr>
           <a:xfrm>
-            <a:off x="724989" y="3474720"/>
+            <a:off x="511990" y="3621413"/>
             <a:ext cx="2312125" cy="369332"/>
           </a:xfrm>
           <a:prstGeom prst="rect">
@@ -8893,8 +8551,8 @@
           </p:sp>
         </mc:Fallback>
       </mc:AlternateContent>
-      <mc:AlternateContent xmlns:mc="http://schemas.openxmlformats.org/markup-compatibility/2006">
-        <mc:Choice xmlns:a14="http://schemas.microsoft.com/office/drawing/2010/main" Requires="a14">
+      <mc:AlternateContent xmlns:mc="http://schemas.openxmlformats.org/markup-compatibility/2006" xmlns:a14="http://schemas.microsoft.com/office/drawing/2010/main">
+        <mc:Choice Requires="a14">
           <p:sp>
             <p:nvSpPr>
               <p:cNvPr id="15" name="文本框 14">
@@ -9224,7 +8882,7 @@
             </p:txBody>
           </p:sp>
         </mc:Choice>
-        <mc:Fallback>
+        <mc:Fallback xmlns="">
           <p:sp>
             <p:nvSpPr>
               <p:cNvPr id="15" name="文本框 14">
@@ -10429,8 +10087,8 @@
           </a:p>
         </p:txBody>
       </p:sp>
-      <mc:AlternateContent xmlns:mc="http://schemas.openxmlformats.org/markup-compatibility/2006" xmlns:a14="http://schemas.microsoft.com/office/drawing/2010/main">
-        <mc:Choice Requires="a14">
+      <mc:AlternateContent xmlns:mc="http://schemas.openxmlformats.org/markup-compatibility/2006">
+        <mc:Choice xmlns:a14="http://schemas.microsoft.com/office/drawing/2010/main" Requires="a14">
           <p:sp>
             <p:nvSpPr>
               <p:cNvPr id="5" name="文本框 4">
@@ -10739,12 +10397,34 @@
                               </m:r>
                             </m:sup>
                             <m:e>
-                              <m:r>
-                                <a:rPr lang="en-US" altLang="zh-CN" i="1">
-                                  <a:latin typeface="Cambria Math" panose="02040503050406030204" pitchFamily="18" charset="0"/>
-                                </a:rPr>
-                                <m:t>𝑅</m:t>
-                              </m:r>
+                              <m:sSub>
+                                <m:sSubPr>
+                                  <m:ctrlPr>
+                                    <a:rPr lang="en-US" altLang="zh-CN" i="1" smtClean="0">
+                                      <a:latin typeface="Cambria Math" panose="02040503050406030204" pitchFamily="18" charset="0"/>
+                                    </a:rPr>
+                                  </m:ctrlPr>
+                                </m:sSubPr>
+                                <m:e>
+                                  <m:r>
+                                    <a:rPr lang="en-US" altLang="zh-CN" b="0" i="1" smtClean="0">
+                                      <a:latin typeface="Cambria Math" panose="02040503050406030204" pitchFamily="18" charset="0"/>
+                                    </a:rPr>
+                                    <m:t>𝑅</m:t>
+                                  </m:r>
+                                </m:e>
+                                <m:sub>
+                                  <m:r>
+                                    <m:rPr>
+                                      <m:sty m:val="p"/>
+                                    </m:rPr>
+                                    <a:rPr lang="en-US" altLang="zh-CN" i="1">
+                                      <a:latin typeface="Cambria Math" panose="02040503050406030204" pitchFamily="18" charset="0"/>
+                                    </a:rPr>
+                                    <m:t>q</m:t>
+                                  </m:r>
+                                </m:sub>
+                              </m:sSub>
                               <m:d>
                                 <m:dPr>
                                   <m:ctrlPr>
@@ -10769,18 +10449,6 @@
                                       </m:ctrlPr>
                                     </m:dPr>
                                     <m:e>
-                                      <m:r>
-                                        <a:rPr lang="en-US" altLang="zh-CN" i="1">
-                                          <a:latin typeface="Cambria Math" panose="02040503050406030204" pitchFamily="18" charset="0"/>
-                                        </a:rPr>
-                                        <m:t>𝑞</m:t>
-                                      </m:r>
-                                      <m:r>
-                                        <a:rPr lang="en-US" altLang="zh-CN" i="1">
-                                          <a:latin typeface="Cambria Math" panose="02040503050406030204" pitchFamily="18" charset="0"/>
-                                        </a:rPr>
-                                        <m:t>,</m:t>
-                                      </m:r>
                                       <m:r>
                                         <a:rPr lang="en-US" altLang="zh-CN" i="1">
                                           <a:latin typeface="Cambria Math" panose="02040503050406030204" pitchFamily="18" charset="0"/>
@@ -10810,18 +10478,6 @@
                                       </m:ctrlPr>
                                     </m:dPr>
                                     <m:e>
-                                      <m:r>
-                                        <a:rPr lang="en-US" altLang="zh-CN" i="1">
-                                          <a:latin typeface="Cambria Math" panose="02040503050406030204" pitchFamily="18" charset="0"/>
-                                        </a:rPr>
-                                        <m:t>𝑞</m:t>
-                                      </m:r>
-                                      <m:r>
-                                        <a:rPr lang="en-US" altLang="zh-CN" i="1">
-                                          <a:latin typeface="Cambria Math" panose="02040503050406030204" pitchFamily="18" charset="0"/>
-                                        </a:rPr>
-                                        <m:t>,</m:t>
-                                      </m:r>
                                       <m:r>
                                         <a:rPr lang="en-US" altLang="zh-CN" i="1">
                                           <a:latin typeface="Cambria Math" panose="02040503050406030204" pitchFamily="18" charset="0"/>
@@ -10957,7 +10613,7 @@
             </p:txBody>
           </p:sp>
         </mc:Choice>
-        <mc:Fallback xmlns="">
+        <mc:Fallback>
           <p:sp>
             <p:nvSpPr>
               <p:cNvPr id="5" name="文本框 4">
@@ -11314,8 +10970,8 @@
           </a:p>
         </p:txBody>
       </p:sp>
-      <mc:AlternateContent xmlns:mc="http://schemas.openxmlformats.org/markup-compatibility/2006" xmlns:a14="http://schemas.microsoft.com/office/drawing/2010/main">
-        <mc:Choice Requires="a14">
+      <mc:AlternateContent xmlns:mc="http://schemas.openxmlformats.org/markup-compatibility/2006">
+        <mc:Choice xmlns:a14="http://schemas.microsoft.com/office/drawing/2010/main" Requires="a14">
           <p:sp>
             <p:nvSpPr>
               <p:cNvPr id="12" name="文本框 11">
@@ -11569,12 +11225,34 @@
                             </a:rPr>
                             <m:t>[</m:t>
                           </m:r>
-                          <m:r>
-                            <a:rPr lang="en-US" altLang="zh-CN" i="1">
-                              <a:latin typeface="Cambria Math" panose="02040503050406030204" pitchFamily="18" charset="0"/>
-                            </a:rPr>
-                            <m:t>𝑅</m:t>
-                          </m:r>
+                          <m:sSub>
+                            <m:sSubPr>
+                              <m:ctrlPr>
+                                <a:rPr lang="en-US" altLang="zh-CN" i="1">
+                                  <a:latin typeface="Cambria Math" panose="02040503050406030204" pitchFamily="18" charset="0"/>
+                                </a:rPr>
+                              </m:ctrlPr>
+                            </m:sSubPr>
+                            <m:e>
+                              <m:r>
+                                <a:rPr lang="en-US" altLang="zh-CN" i="1">
+                                  <a:latin typeface="Cambria Math" panose="02040503050406030204" pitchFamily="18" charset="0"/>
+                                </a:rPr>
+                                <m:t>𝑅</m:t>
+                              </m:r>
+                            </m:e>
+                            <m:sub>
+                              <m:r>
+                                <m:rPr>
+                                  <m:sty m:val="p"/>
+                                </m:rPr>
+                                <a:rPr lang="en-US" altLang="zh-CN" i="1">
+                                  <a:latin typeface="Cambria Math" panose="02040503050406030204" pitchFamily="18" charset="0"/>
+                                </a:rPr>
+                                <m:t>q</m:t>
+                              </m:r>
+                            </m:sub>
+                          </m:sSub>
                           <m:d>
                             <m:dPr>
                               <m:ctrlPr>
@@ -11599,18 +11277,6 @@
                                   </m:ctrlPr>
                                 </m:dPr>
                                 <m:e>
-                                  <m:r>
-                                    <a:rPr lang="en-US" altLang="zh-CN" i="1">
-                                      <a:latin typeface="Cambria Math" panose="02040503050406030204" pitchFamily="18" charset="0"/>
-                                    </a:rPr>
-                                    <m:t>𝑞</m:t>
-                                  </m:r>
-                                  <m:r>
-                                    <a:rPr lang="en-US" altLang="zh-CN" i="1">
-                                      <a:latin typeface="Cambria Math" panose="02040503050406030204" pitchFamily="18" charset="0"/>
-                                    </a:rPr>
-                                    <m:t>,</m:t>
-                                  </m:r>
                                   <m:r>
                                     <a:rPr lang="en-US" altLang="zh-CN" i="1">
                                       <a:latin typeface="Cambria Math" panose="02040503050406030204" pitchFamily="18" charset="0"/>
@@ -11640,18 +11306,6 @@
                                   </m:ctrlPr>
                                 </m:dPr>
                                 <m:e>
-                                  <m:r>
-                                    <a:rPr lang="en-US" altLang="zh-CN" i="1">
-                                      <a:latin typeface="Cambria Math" panose="02040503050406030204" pitchFamily="18" charset="0"/>
-                                    </a:rPr>
-                                    <m:t>𝑞</m:t>
-                                  </m:r>
-                                  <m:r>
-                                    <a:rPr lang="en-US" altLang="zh-CN" i="1">
-                                      <a:latin typeface="Cambria Math" panose="02040503050406030204" pitchFamily="18" charset="0"/>
-                                    </a:rPr>
-                                    <m:t>,</m:t>
-                                  </m:r>
                                   <m:r>
                                     <a:rPr lang="en-US" altLang="zh-CN" i="1">
                                       <a:latin typeface="Cambria Math" panose="02040503050406030204" pitchFamily="18" charset="0"/>
@@ -11767,7 +11421,7 @@
             </p:txBody>
           </p:sp>
         </mc:Choice>
-        <mc:Fallback xmlns="">
+        <mc:Fallback>
           <p:sp>
             <p:nvSpPr>
               <p:cNvPr id="12" name="文本框 11">
@@ -11918,7 +11572,7 @@
             <p:spPr>
               <a:xfrm>
                 <a:off x="1030777" y="1979123"/>
-                <a:ext cx="10450286" cy="2117631"/>
+                <a:ext cx="10450286" cy="2460417"/>
               </a:xfrm>
               <a:prstGeom prst="rect">
                 <a:avLst/>
@@ -12349,31 +12003,12 @@
                         </m:ctrlPr>
                       </m:dPr>
                       <m:e>
-                        <m:sSub>
-                          <m:sSubPr>
-                            <m:ctrlPr>
-                              <a:rPr lang="en-US" altLang="zh-CN" i="1">
-                                <a:latin typeface="Cambria Math" panose="02040503050406030204" pitchFamily="18" charset="0"/>
-                              </a:rPr>
-                            </m:ctrlPr>
-                          </m:sSubPr>
-                          <m:e>
-                            <m:r>
-                              <a:rPr lang="en-US" altLang="zh-CN" i="1">
-                                <a:latin typeface="Cambria Math" panose="02040503050406030204" pitchFamily="18" charset="0"/>
-                              </a:rPr>
-                              <m:t>𝑡</m:t>
-                            </m:r>
-                          </m:e>
-                          <m:sub>
-                            <m:r>
-                              <a:rPr lang="en-US" altLang="zh-CN" i="1">
-                                <a:latin typeface="Cambria Math" panose="02040503050406030204" pitchFamily="18" charset="0"/>
-                              </a:rPr>
-                              <m:t>𝑘</m:t>
-                            </m:r>
-                          </m:sub>
-                        </m:sSub>
+                        <m:r>
+                          <a:rPr lang="en-US" altLang="zh-CN" b="0" i="1" smtClean="0">
+                            <a:latin typeface="Cambria Math" panose="02040503050406030204" pitchFamily="18" charset="0"/>
+                          </a:rPr>
+                          <m:t>𝑡</m:t>
+                        </m:r>
                       </m:e>
                     </m:d>
                     <m:r>
@@ -12409,31 +12044,12 @@
                           </a:rPr>
                           <m:t>1,</m:t>
                         </m:r>
-                        <m:sSub>
-                          <m:sSubPr>
-                            <m:ctrlPr>
-                              <a:rPr lang="en-US" altLang="zh-CN" i="1">
-                                <a:latin typeface="Cambria Math" panose="02040503050406030204" pitchFamily="18" charset="0"/>
-                              </a:rPr>
-                            </m:ctrlPr>
-                          </m:sSubPr>
-                          <m:e>
-                            <m:r>
-                              <a:rPr lang="en-US" altLang="zh-CN" i="1">
-                                <a:latin typeface="Cambria Math" panose="02040503050406030204" pitchFamily="18" charset="0"/>
-                              </a:rPr>
-                              <m:t>𝑡</m:t>
-                            </m:r>
-                          </m:e>
-                          <m:sub>
-                            <m:r>
-                              <a:rPr lang="en-US" altLang="zh-CN" i="1">
-                                <a:latin typeface="Cambria Math" panose="02040503050406030204" pitchFamily="18" charset="0"/>
-                              </a:rPr>
-                              <m:t>𝑘</m:t>
-                            </m:r>
-                          </m:sub>
-                        </m:sSub>
+                        <m:r>
+                          <a:rPr lang="en-US" altLang="zh-CN" b="0" i="1" smtClean="0">
+                            <a:latin typeface="Cambria Math" panose="02040503050406030204" pitchFamily="18" charset="0"/>
+                          </a:rPr>
+                          <m:t>𝑡</m:t>
+                        </m:r>
                       </m:e>
                     </m:d>
                     <m:r>
@@ -12461,39 +12077,14 @@
                           <a:rPr lang="en-US" altLang="zh-CN" i="1">
                             <a:latin typeface="Cambria Math" panose="02040503050406030204" pitchFamily="18" charset="0"/>
                           </a:rPr>
-                          <m:t>2</m:t>
+                          <m:t>2,</m:t>
                         </m:r>
                         <m:r>
-                          <a:rPr lang="en-US" altLang="zh-CN" i="1">
+                          <a:rPr lang="en-US" altLang="zh-CN" b="0" i="1" smtClean="0">
                             <a:latin typeface="Cambria Math" panose="02040503050406030204" pitchFamily="18" charset="0"/>
                           </a:rPr>
-                          <m:t>,</m:t>
+                          <m:t>𝑡</m:t>
                         </m:r>
-                        <m:sSub>
-                          <m:sSubPr>
-                            <m:ctrlPr>
-                              <a:rPr lang="en-US" altLang="zh-CN" i="1">
-                                <a:latin typeface="Cambria Math" panose="02040503050406030204" pitchFamily="18" charset="0"/>
-                              </a:rPr>
-                            </m:ctrlPr>
-                          </m:sSubPr>
-                          <m:e>
-                            <m:r>
-                              <a:rPr lang="en-US" altLang="zh-CN" i="1">
-                                <a:latin typeface="Cambria Math" panose="02040503050406030204" pitchFamily="18" charset="0"/>
-                              </a:rPr>
-                              <m:t>𝑡</m:t>
-                            </m:r>
-                          </m:e>
-                          <m:sub>
-                            <m:r>
-                              <a:rPr lang="en-US" altLang="zh-CN" i="1">
-                                <a:latin typeface="Cambria Math" panose="02040503050406030204" pitchFamily="18" charset="0"/>
-                              </a:rPr>
-                              <m:t>𝑘</m:t>
-                            </m:r>
-                          </m:sub>
-                        </m:sSub>
                       </m:e>
                     </m:d>
                     <m:r>
@@ -12521,39 +12112,14 @@
                           <a:rPr lang="en-US" altLang="zh-CN" i="1">
                             <a:latin typeface="Cambria Math" panose="02040503050406030204" pitchFamily="18" charset="0"/>
                           </a:rPr>
-                          <m:t>8</m:t>
+                          <m:t>8,</m:t>
                         </m:r>
                         <m:r>
-                          <a:rPr lang="en-US" altLang="zh-CN" i="1">
+                          <a:rPr lang="en-US" altLang="zh-CN" b="0" i="1" smtClean="0">
                             <a:latin typeface="Cambria Math" panose="02040503050406030204" pitchFamily="18" charset="0"/>
                           </a:rPr>
-                          <m:t>,</m:t>
+                          <m:t>𝑡</m:t>
                         </m:r>
-                        <m:sSub>
-                          <m:sSubPr>
-                            <m:ctrlPr>
-                              <a:rPr lang="en-US" altLang="zh-CN" i="1">
-                                <a:latin typeface="Cambria Math" panose="02040503050406030204" pitchFamily="18" charset="0"/>
-                              </a:rPr>
-                            </m:ctrlPr>
-                          </m:sSubPr>
-                          <m:e>
-                            <m:r>
-                              <a:rPr lang="en-US" altLang="zh-CN" i="1">
-                                <a:latin typeface="Cambria Math" panose="02040503050406030204" pitchFamily="18" charset="0"/>
-                              </a:rPr>
-                              <m:t>𝑡</m:t>
-                            </m:r>
-                          </m:e>
-                          <m:sub>
-                            <m:r>
-                              <a:rPr lang="en-US" altLang="zh-CN" i="1">
-                                <a:latin typeface="Cambria Math" panose="02040503050406030204" pitchFamily="18" charset="0"/>
-                              </a:rPr>
-                              <m:t>𝑘</m:t>
-                            </m:r>
-                          </m:sub>
-                        </m:sSub>
                       </m:e>
                     </m:d>
                     <m:r>
@@ -12582,31 +12148,251 @@
                 </a:r>
                 <a14:m>
                   <m:oMath xmlns:m="http://schemas.openxmlformats.org/officeDocument/2006/math">
-                    <m:sSub>
-                      <m:sSubPr>
+                    <m:f>
+                      <m:fPr>
                         <m:ctrlPr>
                           <a:rPr lang="en-US" altLang="zh-CN" i="1">
                             <a:latin typeface="Cambria Math" panose="02040503050406030204" pitchFamily="18" charset="0"/>
                           </a:rPr>
                         </m:ctrlPr>
-                      </m:sSubPr>
-                      <m:e>
+                      </m:fPr>
+                      <m:num>
+                        <m:nary>
+                          <m:naryPr>
+                            <m:chr m:val="∑"/>
+                            <m:ctrlPr>
+                              <a:rPr lang="en-US" altLang="zh-CN" i="1">
+                                <a:latin typeface="Cambria Math" panose="02040503050406030204" pitchFamily="18" charset="0"/>
+                              </a:rPr>
+                            </m:ctrlPr>
+                          </m:naryPr>
+                          <m:sub>
+                            <m:sSup>
+                              <m:sSupPr>
+                                <m:ctrlPr>
+                                  <a:rPr lang="en-US" altLang="zh-CN" i="1">
+                                    <a:latin typeface="Cambria Math" panose="02040503050406030204" pitchFamily="18" charset="0"/>
+                                  </a:rPr>
+                                </m:ctrlPr>
+                              </m:sSupPr>
+                              <m:e>
+                                <m:r>
+                                  <m:rPr>
+                                    <m:brk m:alnAt="23"/>
+                                  </m:rPr>
+                                  <a:rPr lang="en-US" altLang="zh-CN" i="1">
+                                    <a:latin typeface="Cambria Math" panose="02040503050406030204" pitchFamily="18" charset="0"/>
+                                  </a:rPr>
+                                  <m:t>𝑞</m:t>
+                                </m:r>
+                              </m:e>
+                              <m:sup>
+                                <m:r>
+                                  <a:rPr lang="en-US" altLang="zh-CN" i="1">
+                                    <a:latin typeface="Cambria Math" panose="02040503050406030204" pitchFamily="18" charset="0"/>
+                                  </a:rPr>
+                                  <m:t>′</m:t>
+                                </m:r>
+                              </m:sup>
+                            </m:sSup>
+                            <m:r>
+                              <m:rPr>
+                                <m:brk m:alnAt="23"/>
+                              </m:rPr>
+                              <a:rPr lang="en-US" altLang="zh-CN" i="1">
+                                <a:latin typeface="Cambria Math" panose="02040503050406030204" pitchFamily="18" charset="0"/>
+                              </a:rPr>
+                              <m:t>=</m:t>
+                            </m:r>
+                            <m:r>
+                              <a:rPr lang="en-US" altLang="zh-CN" i="1">
+                                <a:latin typeface="Cambria Math" panose="02040503050406030204" pitchFamily="18" charset="0"/>
+                              </a:rPr>
+                              <m:t>1</m:t>
+                            </m:r>
+                          </m:sub>
+                          <m:sup>
+                            <m:r>
+                              <a:rPr lang="en-US" altLang="zh-CN" i="1">
+                                <a:latin typeface="Cambria Math" panose="02040503050406030204" pitchFamily="18" charset="0"/>
+                              </a:rPr>
+                              <m:t>𝑞</m:t>
+                            </m:r>
+                            <m:r>
+                              <a:rPr lang="en-US" altLang="zh-CN" i="1">
+                                <a:latin typeface="Cambria Math" panose="02040503050406030204" pitchFamily="18" charset="0"/>
+                              </a:rPr>
+                              <m:t>−1</m:t>
+                            </m:r>
+                          </m:sup>
+                          <m:e>
+                            <m:r>
+                              <a:rPr lang="en-US" altLang="zh-CN" i="1">
+                                <a:latin typeface="Cambria Math" panose="02040503050406030204" pitchFamily="18" charset="0"/>
+                              </a:rPr>
+                              <m:t>𝑞𝑙𝑒𝑛</m:t>
+                            </m:r>
+                            <m:d>
+                              <m:dPr>
+                                <m:ctrlPr>
+                                  <a:rPr lang="en-US" altLang="zh-CN" i="1">
+                                    <a:latin typeface="Cambria Math" panose="02040503050406030204" pitchFamily="18" charset="0"/>
+                                  </a:rPr>
+                                </m:ctrlPr>
+                              </m:dPr>
+                              <m:e>
+                                <m:sSup>
+                                  <m:sSupPr>
+                                    <m:ctrlPr>
+                                      <a:rPr lang="en-US" altLang="zh-CN" i="1">
+                                        <a:latin typeface="Cambria Math" panose="02040503050406030204" pitchFamily="18" charset="0"/>
+                                      </a:rPr>
+                                    </m:ctrlPr>
+                                  </m:sSupPr>
+                                  <m:e>
+                                    <m:r>
+                                      <a:rPr lang="en-US" altLang="zh-CN" i="1">
+                                        <a:latin typeface="Cambria Math" panose="02040503050406030204" pitchFamily="18" charset="0"/>
+                                      </a:rPr>
+                                      <m:t>𝑞</m:t>
+                                    </m:r>
+                                  </m:e>
+                                  <m:sup>
+                                    <m:r>
+                                      <a:rPr lang="en-US" altLang="zh-CN" i="1">
+                                        <a:latin typeface="Cambria Math" panose="02040503050406030204" pitchFamily="18" charset="0"/>
+                                      </a:rPr>
+                                      <m:t>′</m:t>
+                                    </m:r>
+                                  </m:sup>
+                                </m:sSup>
+                                <m:r>
+                                  <a:rPr lang="en-US" altLang="zh-CN" i="1">
+                                    <a:latin typeface="Cambria Math" panose="02040503050406030204" pitchFamily="18" charset="0"/>
+                                  </a:rPr>
+                                  <m:t>,</m:t>
+                                </m:r>
+                                <m:r>
+                                  <a:rPr lang="en-US" altLang="zh-CN" i="1">
+                                    <a:latin typeface="Cambria Math" panose="02040503050406030204" pitchFamily="18" charset="0"/>
+                                  </a:rPr>
+                                  <m:t>𝑡</m:t>
+                                </m:r>
+                              </m:e>
+                            </m:d>
+                          </m:e>
+                        </m:nary>
+                      </m:num>
+                      <m:den>
+                        <m:nary>
+                          <m:naryPr>
+                            <m:chr m:val="∑"/>
+                            <m:ctrlPr>
+                              <a:rPr lang="en-US" altLang="zh-CN" i="1">
+                                <a:latin typeface="Cambria Math" panose="02040503050406030204" pitchFamily="18" charset="0"/>
+                              </a:rPr>
+                            </m:ctrlPr>
+                          </m:naryPr>
+                          <m:sub>
+                            <m:sSup>
+                              <m:sSupPr>
+                                <m:ctrlPr>
+                                  <a:rPr lang="en-US" altLang="zh-CN" i="1">
+                                    <a:latin typeface="Cambria Math" panose="02040503050406030204" pitchFamily="18" charset="0"/>
+                                  </a:rPr>
+                                </m:ctrlPr>
+                              </m:sSupPr>
+                              <m:e>
+                                <m:r>
+                                  <m:rPr>
+                                    <m:brk m:alnAt="23"/>
+                                  </m:rPr>
+                                  <a:rPr lang="en-US" altLang="zh-CN" i="1">
+                                    <a:latin typeface="Cambria Math" panose="02040503050406030204" pitchFamily="18" charset="0"/>
+                                  </a:rPr>
+                                  <m:t>𝑞</m:t>
+                                </m:r>
+                              </m:e>
+                              <m:sup>
+                                <m:r>
+                                  <a:rPr lang="en-US" altLang="zh-CN" i="1">
+                                    <a:latin typeface="Cambria Math" panose="02040503050406030204" pitchFamily="18" charset="0"/>
+                                  </a:rPr>
+                                  <m:t>′</m:t>
+                                </m:r>
+                              </m:sup>
+                            </m:sSup>
+                            <m:r>
+                              <m:rPr>
+                                <m:brk m:alnAt="23"/>
+                              </m:rPr>
+                              <a:rPr lang="en-US" altLang="zh-CN" i="1">
+                                <a:latin typeface="Cambria Math" panose="02040503050406030204" pitchFamily="18" charset="0"/>
+                              </a:rPr>
+                              <m:t>=</m:t>
+                            </m:r>
+                            <m:r>
+                              <a:rPr lang="en-US" altLang="zh-CN" i="1">
+                                <a:latin typeface="Cambria Math" panose="02040503050406030204" pitchFamily="18" charset="0"/>
+                              </a:rPr>
+                              <m:t>1</m:t>
+                            </m:r>
+                          </m:sub>
+                          <m:sup>
+                            <m:r>
+                              <a:rPr lang="en-US" altLang="zh-CN" i="1">
+                                <a:latin typeface="Cambria Math" panose="02040503050406030204" pitchFamily="18" charset="0"/>
+                              </a:rPr>
+                              <m:t>8</m:t>
+                            </m:r>
+                          </m:sup>
+                          <m:e>
+                            <m:r>
+                              <a:rPr lang="en-US" altLang="zh-CN" i="1">
+                                <a:latin typeface="Cambria Math" panose="02040503050406030204" pitchFamily="18" charset="0"/>
+                              </a:rPr>
+                              <m:t>𝑞𝑙𝑒𝑛</m:t>
+                            </m:r>
+                            <m:r>
+                              <a:rPr lang="en-US" altLang="zh-CN" i="1">
+                                <a:latin typeface="Cambria Math" panose="02040503050406030204" pitchFamily="18" charset="0"/>
+                              </a:rPr>
+                              <m:t>(</m:t>
+                            </m:r>
+                            <m:r>
+                              <a:rPr lang="en-US" altLang="zh-CN" i="1">
+                                <a:latin typeface="Cambria Math" panose="02040503050406030204" pitchFamily="18" charset="0"/>
+                              </a:rPr>
+                              <m:t>𝑞</m:t>
+                            </m:r>
+                            <m:r>
+                              <a:rPr lang="en-US" altLang="zh-CN" i="1">
+                                <a:latin typeface="Cambria Math" panose="02040503050406030204" pitchFamily="18" charset="0"/>
+                              </a:rPr>
+                              <m:t>′</m:t>
+                            </m:r>
+                            <m:r>
+                              <a:rPr lang="en-US" altLang="zh-CN" i="1">
+                                <a:latin typeface="Cambria Math" panose="02040503050406030204" pitchFamily="18" charset="0"/>
+                              </a:rPr>
+                              <m:t>,</m:t>
+                            </m:r>
+                            <m:r>
+                              <a:rPr lang="en-US" altLang="zh-CN" i="1">
+                                <a:latin typeface="Cambria Math" panose="02040503050406030204" pitchFamily="18" charset="0"/>
+                              </a:rPr>
+                              <m:t>𝑡</m:t>
+                            </m:r>
+                          </m:e>
+                        </m:nary>
                         <m:r>
                           <a:rPr lang="en-US" altLang="zh-CN" i="1">
                             <a:latin typeface="Cambria Math" panose="02040503050406030204" pitchFamily="18" charset="0"/>
                           </a:rPr>
-                          <m:t>𝐶</m:t>
+                          <m:t>)</m:t>
                         </m:r>
-                      </m:e>
-                      <m:sub>
-                        <m:r>
-                          <a:rPr lang="en-US" altLang="zh-CN" i="1">
-                            <a:latin typeface="Cambria Math" panose="02040503050406030204" pitchFamily="18" charset="0"/>
-                          </a:rPr>
-                          <m:t>h𝑢𝑛𝑔𝑒𝑟</m:t>
-                        </m:r>
-                      </m:sub>
-                    </m:sSub>
+                      </m:den>
+                    </m:f>
                   </m:oMath>
                 </a14:m>
                 <a:r>
@@ -12677,31 +12463,12 @@
                         </m:ctrlPr>
                       </m:dPr>
                       <m:e>
-                        <m:sSub>
-                          <m:sSubPr>
-                            <m:ctrlPr>
-                              <a:rPr lang="en-US" altLang="zh-CN" i="1">
-                                <a:latin typeface="Cambria Math" panose="02040503050406030204" pitchFamily="18" charset="0"/>
-                              </a:rPr>
-                            </m:ctrlPr>
-                          </m:sSubPr>
-                          <m:e>
-                            <m:r>
-                              <a:rPr lang="en-US" altLang="zh-CN" i="1">
-                                <a:latin typeface="Cambria Math" panose="02040503050406030204" pitchFamily="18" charset="0"/>
-                              </a:rPr>
-                              <m:t>𝑡</m:t>
-                            </m:r>
-                          </m:e>
-                          <m:sub>
-                            <m:r>
-                              <a:rPr lang="en-US" altLang="zh-CN" i="1">
-                                <a:latin typeface="Cambria Math" panose="02040503050406030204" pitchFamily="18" charset="0"/>
-                              </a:rPr>
-                              <m:t>𝑘</m:t>
-                            </m:r>
-                          </m:sub>
-                        </m:sSub>
+                        <m:r>
+                          <a:rPr lang="en-US" altLang="zh-CN" b="0" i="1" smtClean="0">
+                            <a:latin typeface="Cambria Math" panose="02040503050406030204" pitchFamily="18" charset="0"/>
+                          </a:rPr>
+                          <m:t>𝑡</m:t>
+                        </m:r>
                       </m:e>
                     </m:d>
                     <m:r>
@@ -12733,42 +12500,17 @@
                           </a:rPr>
                           <m:t>(</m:t>
                         </m:r>
-                        <m:sSub>
-                          <m:sSubPr>
-                            <m:ctrlPr>
-                              <a:rPr lang="en-US" altLang="zh-CN" i="1">
-                                <a:latin typeface="Cambria Math" panose="02040503050406030204" pitchFamily="18" charset="0"/>
-                              </a:rPr>
-                            </m:ctrlPr>
-                          </m:sSubPr>
-                          <m:e>
-                            <m:r>
-                              <a:rPr lang="en-US" altLang="zh-CN" i="1">
-                                <a:latin typeface="Cambria Math" panose="02040503050406030204" pitchFamily="18" charset="0"/>
-                              </a:rPr>
-                              <m:t>𝑡</m:t>
-                            </m:r>
-                          </m:e>
-                          <m:sub>
-                            <m:r>
-                              <a:rPr lang="en-US" altLang="zh-CN" i="1">
-                                <a:latin typeface="Cambria Math" panose="02040503050406030204" pitchFamily="18" charset="0"/>
-                              </a:rPr>
-                              <m:t>𝑘</m:t>
-                            </m:r>
-                          </m:sub>
-                        </m:sSub>
                         <m:r>
                           <a:rPr lang="en-US" altLang="zh-CN" b="0" i="1" smtClean="0">
                             <a:latin typeface="Cambria Math" panose="02040503050406030204" pitchFamily="18" charset="0"/>
                           </a:rPr>
-                          <m:t>)</m:t>
+                          <m:t>𝑡</m:t>
                         </m:r>
                         <m:r>
                           <a:rPr lang="en-US" altLang="zh-CN" b="0" i="1" smtClean="0">
                             <a:latin typeface="Cambria Math" panose="02040503050406030204" pitchFamily="18" charset="0"/>
                           </a:rPr>
-                          <m:t>,</m:t>
+                          <m:t>),</m:t>
                         </m:r>
                         <m:r>
                           <a:rPr lang="en-US" altLang="zh-CN" b="0" i="1" smtClean="0">
@@ -12785,31 +12527,12 @@
                             </m:ctrlPr>
                           </m:dPr>
                           <m:e>
-                            <m:sSub>
-                              <m:sSubPr>
-                                <m:ctrlPr>
-                                  <a:rPr lang="en-US" altLang="zh-CN" b="0" i="1" smtClean="0">
-                                    <a:latin typeface="Cambria Math" panose="02040503050406030204" pitchFamily="18" charset="0"/>
-                                  </a:rPr>
-                                </m:ctrlPr>
-                              </m:sSubPr>
-                              <m:e>
-                                <m:r>
-                                  <a:rPr lang="en-US" altLang="zh-CN" b="0" i="1" smtClean="0">
-                                    <a:latin typeface="Cambria Math" panose="02040503050406030204" pitchFamily="18" charset="0"/>
-                                  </a:rPr>
-                                  <m:t>𝑡</m:t>
-                                </m:r>
-                              </m:e>
-                              <m:sub>
-                                <m:r>
-                                  <a:rPr lang="en-US" altLang="zh-CN" b="0" i="1" smtClean="0">
-                                    <a:latin typeface="Cambria Math" panose="02040503050406030204" pitchFamily="18" charset="0"/>
-                                  </a:rPr>
-                                  <m:t>𝑘</m:t>
-                                </m:r>
-                              </m:sub>
-                            </m:sSub>
+                            <m:r>
+                              <a:rPr lang="en-US" altLang="zh-CN" b="0" i="1" smtClean="0">
+                                <a:latin typeface="Cambria Math" panose="02040503050406030204" pitchFamily="18" charset="0"/>
+                              </a:rPr>
+                              <m:t>𝑡</m:t>
+                            </m:r>
                           </m:e>
                         </m:d>
                       </m:e>
@@ -12861,7 +12584,7 @@
             <p:spPr>
               <a:xfrm>
                 <a:off x="1030777" y="1979123"/>
-                <a:ext cx="10450286" cy="2117631"/>
+                <a:ext cx="10450286" cy="2460417"/>
               </a:xfrm>
               <a:prstGeom prst="rect">
                 <a:avLst/>
@@ -12869,7 +12592,7 @@
               <a:blipFill>
                 <a:blip r:embed="rId2"/>
                 <a:stretch>
-                  <a:fillRect l="-350" t="-576" r="-175" b="-3746"/>
+                  <a:fillRect l="-350" t="-496" r="-175" b="-3226"/>
                 </a:stretch>
               </a:blipFill>
             </p:spPr>
@@ -29388,6 +29111,294 @@
           </a:fontRef>
         </p:style>
       </p:cxnSp>
+      <p:sp>
+        <p:nvSpPr>
+          <p:cNvPr id="3" name="文本框 2">
+            <a:extLst>
+              <a:ext uri="{FF2B5EF4-FFF2-40B4-BE49-F238E27FC236}">
+                <a16:creationId xmlns:a16="http://schemas.microsoft.com/office/drawing/2014/main" id="{4AA32E16-7CF9-1BB8-B068-85512FD14200}"/>
+              </a:ext>
+            </a:extLst>
+          </p:cNvPr>
+          <p:cNvSpPr txBox="1"/>
+          <p:nvPr/>
+        </p:nvSpPr>
+        <p:spPr>
+          <a:xfrm>
+            <a:off x="1162416" y="2517258"/>
+            <a:ext cx="434395" cy="369332"/>
+          </a:xfrm>
+          <a:prstGeom prst="rect">
+            <a:avLst/>
+          </a:prstGeom>
+          <a:noFill/>
+        </p:spPr>
+        <p:txBody>
+          <a:bodyPr wrap="square" rtlCol="0">
+            <a:spAutoFit/>
+          </a:bodyPr>
+          <a:lstStyle/>
+          <a:p>
+            <a:r>
+              <a:rPr lang="en-US" altLang="zh-CN"/>
+              <a:t>1</a:t>
+            </a:r>
+            <a:endParaRPr lang="zh-CN" altLang="en-US"/>
+          </a:p>
+        </p:txBody>
+      </p:sp>
+      <p:sp>
+        <p:nvSpPr>
+          <p:cNvPr id="4" name="文本框 3">
+            <a:extLst>
+              <a:ext uri="{FF2B5EF4-FFF2-40B4-BE49-F238E27FC236}">
+                <a16:creationId xmlns:a16="http://schemas.microsoft.com/office/drawing/2014/main" id="{994CAEF3-733B-B708-203F-53CC58E89D96}"/>
+              </a:ext>
+            </a:extLst>
+          </p:cNvPr>
+          <p:cNvSpPr txBox="1"/>
+          <p:nvPr/>
+        </p:nvSpPr>
+        <p:spPr>
+          <a:xfrm>
+            <a:off x="1162416" y="2961072"/>
+            <a:ext cx="434395" cy="369332"/>
+          </a:xfrm>
+          <a:prstGeom prst="rect">
+            <a:avLst/>
+          </a:prstGeom>
+          <a:noFill/>
+        </p:spPr>
+        <p:txBody>
+          <a:bodyPr wrap="square" rtlCol="0">
+            <a:spAutoFit/>
+          </a:bodyPr>
+          <a:lstStyle/>
+          <a:p>
+            <a:r>
+              <a:rPr lang="en-US" altLang="zh-CN"/>
+              <a:t>2</a:t>
+            </a:r>
+            <a:endParaRPr lang="zh-CN" altLang="en-US"/>
+          </a:p>
+        </p:txBody>
+      </p:sp>
+      <p:sp>
+        <p:nvSpPr>
+          <p:cNvPr id="5" name="文本框 4">
+            <a:extLst>
+              <a:ext uri="{FF2B5EF4-FFF2-40B4-BE49-F238E27FC236}">
+                <a16:creationId xmlns:a16="http://schemas.microsoft.com/office/drawing/2014/main" id="{97E1583B-E081-5630-0A1F-AE18887C2E77}"/>
+              </a:ext>
+            </a:extLst>
+          </p:cNvPr>
+          <p:cNvSpPr txBox="1"/>
+          <p:nvPr/>
+        </p:nvSpPr>
+        <p:spPr>
+          <a:xfrm>
+            <a:off x="1143375" y="3411357"/>
+            <a:ext cx="434395" cy="369332"/>
+          </a:xfrm>
+          <a:prstGeom prst="rect">
+            <a:avLst/>
+          </a:prstGeom>
+          <a:noFill/>
+        </p:spPr>
+        <p:txBody>
+          <a:bodyPr wrap="square" rtlCol="0">
+            <a:spAutoFit/>
+          </a:bodyPr>
+          <a:lstStyle/>
+          <a:p>
+            <a:r>
+              <a:rPr lang="en-US" altLang="zh-CN"/>
+              <a:t>3</a:t>
+            </a:r>
+            <a:endParaRPr lang="zh-CN" altLang="en-US"/>
+          </a:p>
+        </p:txBody>
+      </p:sp>
+      <p:sp>
+        <p:nvSpPr>
+          <p:cNvPr id="6" name="文本框 5">
+            <a:extLst>
+              <a:ext uri="{FF2B5EF4-FFF2-40B4-BE49-F238E27FC236}">
+                <a16:creationId xmlns:a16="http://schemas.microsoft.com/office/drawing/2014/main" id="{66181EF7-0A1E-9D3E-6A60-6261D9BF5767}"/>
+              </a:ext>
+            </a:extLst>
+          </p:cNvPr>
+          <p:cNvSpPr txBox="1"/>
+          <p:nvPr/>
+        </p:nvSpPr>
+        <p:spPr>
+          <a:xfrm>
+            <a:off x="1154353" y="3843749"/>
+            <a:ext cx="292579" cy="369332"/>
+          </a:xfrm>
+          <a:prstGeom prst="rect">
+            <a:avLst/>
+          </a:prstGeom>
+          <a:noFill/>
+        </p:spPr>
+        <p:txBody>
+          <a:bodyPr wrap="square" rtlCol="0">
+            <a:spAutoFit/>
+          </a:bodyPr>
+          <a:lstStyle/>
+          <a:p>
+            <a:r>
+              <a:rPr lang="en-US" altLang="zh-CN"/>
+              <a:t>4</a:t>
+            </a:r>
+            <a:endParaRPr lang="zh-CN" altLang="en-US"/>
+          </a:p>
+        </p:txBody>
+      </p:sp>
+      <p:sp>
+        <p:nvSpPr>
+          <p:cNvPr id="7" name="文本框 6">
+            <a:extLst>
+              <a:ext uri="{FF2B5EF4-FFF2-40B4-BE49-F238E27FC236}">
+                <a16:creationId xmlns:a16="http://schemas.microsoft.com/office/drawing/2014/main" id="{149DE96F-BE25-6844-7F34-EEE108984583}"/>
+              </a:ext>
+            </a:extLst>
+          </p:cNvPr>
+          <p:cNvSpPr txBox="1"/>
+          <p:nvPr/>
+        </p:nvSpPr>
+        <p:spPr>
+          <a:xfrm>
+            <a:off x="1156464" y="4275853"/>
+            <a:ext cx="434395" cy="369332"/>
+          </a:xfrm>
+          <a:prstGeom prst="rect">
+            <a:avLst/>
+          </a:prstGeom>
+          <a:noFill/>
+        </p:spPr>
+        <p:txBody>
+          <a:bodyPr wrap="square" rtlCol="0">
+            <a:spAutoFit/>
+          </a:bodyPr>
+          <a:lstStyle/>
+          <a:p>
+            <a:r>
+              <a:rPr lang="en-US" altLang="zh-CN"/>
+              <a:t>5</a:t>
+            </a:r>
+            <a:endParaRPr lang="zh-CN" altLang="en-US"/>
+          </a:p>
+        </p:txBody>
+      </p:sp>
+      <p:sp>
+        <p:nvSpPr>
+          <p:cNvPr id="9" name="文本框 8">
+            <a:extLst>
+              <a:ext uri="{FF2B5EF4-FFF2-40B4-BE49-F238E27FC236}">
+                <a16:creationId xmlns:a16="http://schemas.microsoft.com/office/drawing/2014/main" id="{64EE509F-4134-1D4C-31A7-ABE9C021CC73}"/>
+              </a:ext>
+            </a:extLst>
+          </p:cNvPr>
+          <p:cNvSpPr txBox="1"/>
+          <p:nvPr/>
+        </p:nvSpPr>
+        <p:spPr>
+          <a:xfrm>
+            <a:off x="1143375" y="4721398"/>
+            <a:ext cx="434395" cy="369332"/>
+          </a:xfrm>
+          <a:prstGeom prst="rect">
+            <a:avLst/>
+          </a:prstGeom>
+          <a:noFill/>
+        </p:spPr>
+        <p:txBody>
+          <a:bodyPr wrap="square" rtlCol="0">
+            <a:spAutoFit/>
+          </a:bodyPr>
+          <a:lstStyle/>
+          <a:p>
+            <a:r>
+              <a:rPr lang="en-US" altLang="zh-CN"/>
+              <a:t>6</a:t>
+            </a:r>
+            <a:endParaRPr lang="zh-CN" altLang="en-US"/>
+          </a:p>
+        </p:txBody>
+      </p:sp>
+      <p:sp>
+        <p:nvSpPr>
+          <p:cNvPr id="10" name="文本框 9">
+            <a:extLst>
+              <a:ext uri="{FF2B5EF4-FFF2-40B4-BE49-F238E27FC236}">
+                <a16:creationId xmlns:a16="http://schemas.microsoft.com/office/drawing/2014/main" id="{C266B359-03F8-1C2E-AA82-AD9D6297DA3C}"/>
+              </a:ext>
+            </a:extLst>
+          </p:cNvPr>
+          <p:cNvSpPr txBox="1"/>
+          <p:nvPr/>
+        </p:nvSpPr>
+        <p:spPr>
+          <a:xfrm>
+            <a:off x="1143375" y="5170452"/>
+            <a:ext cx="434395" cy="369332"/>
+          </a:xfrm>
+          <a:prstGeom prst="rect">
+            <a:avLst/>
+          </a:prstGeom>
+          <a:noFill/>
+        </p:spPr>
+        <p:txBody>
+          <a:bodyPr wrap="square" rtlCol="0">
+            <a:spAutoFit/>
+          </a:bodyPr>
+          <a:lstStyle/>
+          <a:p>
+            <a:r>
+              <a:rPr lang="en-US" altLang="zh-CN"/>
+              <a:t>7</a:t>
+            </a:r>
+            <a:endParaRPr lang="zh-CN" altLang="en-US"/>
+          </a:p>
+        </p:txBody>
+      </p:sp>
+      <p:sp>
+        <p:nvSpPr>
+          <p:cNvPr id="11" name="文本框 10">
+            <a:extLst>
+              <a:ext uri="{FF2B5EF4-FFF2-40B4-BE49-F238E27FC236}">
+                <a16:creationId xmlns:a16="http://schemas.microsoft.com/office/drawing/2014/main" id="{5109BDDD-2293-7C91-61AF-46601B5BA96B}"/>
+              </a:ext>
+            </a:extLst>
+          </p:cNvPr>
+          <p:cNvSpPr txBox="1"/>
+          <p:nvPr/>
+        </p:nvSpPr>
+        <p:spPr>
+          <a:xfrm>
+            <a:off x="1143375" y="5602067"/>
+            <a:ext cx="434395" cy="369332"/>
+          </a:xfrm>
+          <a:prstGeom prst="rect">
+            <a:avLst/>
+          </a:prstGeom>
+          <a:noFill/>
+        </p:spPr>
+        <p:txBody>
+          <a:bodyPr wrap="square" rtlCol="0">
+            <a:spAutoFit/>
+          </a:bodyPr>
+          <a:lstStyle/>
+          <a:p>
+            <a:r>
+              <a:rPr lang="en-US" altLang="zh-CN"/>
+              <a:t>8</a:t>
+            </a:r>
+            <a:endParaRPr lang="zh-CN" altLang="en-US"/>
+          </a:p>
+        </p:txBody>
+      </p:sp>
     </p:spTree>
     <p:extLst>
       <p:ext uri="{BB962C8B-B14F-4D97-AF65-F5344CB8AC3E}">
@@ -41957,8 +41968,8 @@
           <a:chExt cx="0" cy="0"/>
         </a:xfrm>
       </p:grpSpPr>
-      <mc:AlternateContent xmlns:mc="http://schemas.openxmlformats.org/markup-compatibility/2006">
-        <mc:Choice xmlns:a14="http://schemas.microsoft.com/office/drawing/2010/main" Requires="a14">
+      <mc:AlternateContent xmlns:mc="http://schemas.openxmlformats.org/markup-compatibility/2006" xmlns:a14="http://schemas.microsoft.com/office/drawing/2010/main">
+        <mc:Choice Requires="a14">
           <p:sp>
             <p:nvSpPr>
               <p:cNvPr id="4" name="文本框 3">
@@ -42580,7 +42591,7 @@
             </p:txBody>
           </p:sp>
         </mc:Choice>
-        <mc:Fallback>
+        <mc:Fallback xmlns="">
           <p:sp>
             <p:nvSpPr>
               <p:cNvPr id="4" name="文本框 3">
@@ -42660,8 +42671,8 @@
           </a:p>
         </p:txBody>
       </p:sp>
-      <mc:AlternateContent xmlns:mc="http://schemas.openxmlformats.org/markup-compatibility/2006" xmlns:a14="http://schemas.microsoft.com/office/drawing/2010/main">
-        <mc:Choice Requires="a14">
+      <mc:AlternateContent xmlns:mc="http://schemas.openxmlformats.org/markup-compatibility/2006">
+        <mc:Choice xmlns:a14="http://schemas.microsoft.com/office/drawing/2010/main" Requires="a14">
           <p:sp>
             <p:nvSpPr>
               <p:cNvPr id="8" name="文本框 7">
@@ -42676,8 +42687,8 @@
             </p:nvSpPr>
             <p:spPr>
               <a:xfrm>
-                <a:off x="1482811" y="1408719"/>
-                <a:ext cx="8889097" cy="774507"/>
+                <a:off x="1533611" y="1459847"/>
+                <a:ext cx="8889097" cy="734688"/>
               </a:xfrm>
               <a:prstGeom prst="rect">
                 <a:avLst/>
@@ -42701,39 +42712,101 @@
                         </m:ctrlPr>
                       </m:fPr>
                       <m:num>
-                        <m:d>
-                          <m:dPr>
+                        <m:nary>
+                          <m:naryPr>
+                            <m:chr m:val="∑"/>
                             <m:ctrlPr>
-                              <a:rPr lang="en-US" altLang="zh-CN" b="0" i="1" smtClean="0">
+                              <a:rPr lang="en-US" altLang="zh-CN" i="1">
                                 <a:latin typeface="Cambria Math" panose="02040503050406030204" pitchFamily="18" charset="0"/>
                               </a:rPr>
                             </m:ctrlPr>
-                          </m:dPr>
-                          <m:e>
-                            <m:nary>
-                              <m:naryPr>
-                                <m:chr m:val="∑"/>
+                          </m:naryPr>
+                          <m:sub>
+                            <m:sSup>
+                              <m:sSupPr>
                                 <m:ctrlPr>
-                                  <a:rPr lang="en-US" altLang="zh-CN" i="1" smtClean="0">
+                                  <a:rPr lang="en-US" altLang="zh-CN" i="1">
                                     <a:latin typeface="Cambria Math" panose="02040503050406030204" pitchFamily="18" charset="0"/>
                                   </a:rPr>
                                 </m:ctrlPr>
-                              </m:naryPr>
-                              <m:sub>
+                              </m:sSupPr>
+                              <m:e>
+                                <m:r>
+                                  <m:rPr>
+                                    <m:brk m:alnAt="23"/>
+                                  </m:rPr>
+                                  <a:rPr lang="en-US" altLang="zh-CN" i="1">
+                                    <a:latin typeface="Cambria Math" panose="02040503050406030204" pitchFamily="18" charset="0"/>
+                                  </a:rPr>
+                                  <m:t>𝑞</m:t>
+                                </m:r>
+                              </m:e>
+                              <m:sup>
+                                <m:r>
+                                  <a:rPr lang="en-US" altLang="zh-CN" i="1">
+                                    <a:latin typeface="Cambria Math" panose="02040503050406030204" pitchFamily="18" charset="0"/>
+                                  </a:rPr>
+                                  <m:t>′</m:t>
+                                </m:r>
+                              </m:sup>
+                            </m:sSup>
+                            <m:r>
+                              <m:rPr>
+                                <m:brk m:alnAt="23"/>
+                              </m:rPr>
+                              <a:rPr lang="en-US" altLang="zh-CN" i="1">
+                                <a:latin typeface="Cambria Math" panose="02040503050406030204" pitchFamily="18" charset="0"/>
+                              </a:rPr>
+                              <m:t>=</m:t>
+                            </m:r>
+                            <m:r>
+                              <a:rPr lang="en-US" altLang="zh-CN" i="1">
+                                <a:latin typeface="Cambria Math" panose="02040503050406030204" pitchFamily="18" charset="0"/>
+                              </a:rPr>
+                              <m:t>1</m:t>
+                            </m:r>
+                          </m:sub>
+                          <m:sup>
+                            <m:r>
+                              <a:rPr lang="en-US" altLang="zh-CN" i="1">
+                                <a:latin typeface="Cambria Math" panose="02040503050406030204" pitchFamily="18" charset="0"/>
+                              </a:rPr>
+                              <m:t>𝑞</m:t>
+                            </m:r>
+                            <m:r>
+                              <a:rPr lang="en-US" altLang="zh-CN" i="1">
+                                <a:latin typeface="Cambria Math" panose="02040503050406030204" pitchFamily="18" charset="0"/>
+                              </a:rPr>
+                              <m:t>−1</m:t>
+                            </m:r>
+                          </m:sup>
+                          <m:e>
+                            <m:r>
+                              <a:rPr lang="en-US" altLang="zh-CN" i="1">
+                                <a:latin typeface="Cambria Math" panose="02040503050406030204" pitchFamily="18" charset="0"/>
+                              </a:rPr>
+                              <m:t>𝑞𝑙𝑒𝑛</m:t>
+                            </m:r>
+                            <m:d>
+                              <m:dPr>
+                                <m:ctrlPr>
+                                  <a:rPr lang="en-US" altLang="zh-CN" i="1">
+                                    <a:latin typeface="Cambria Math" panose="02040503050406030204" pitchFamily="18" charset="0"/>
+                                  </a:rPr>
+                                </m:ctrlPr>
+                              </m:dPr>
+                              <m:e>
                                 <m:sSup>
                                   <m:sSupPr>
                                     <m:ctrlPr>
-                                      <a:rPr lang="en-US" altLang="zh-CN" b="0" i="1" smtClean="0">
+                                      <a:rPr lang="en-US" altLang="zh-CN" i="1">
                                         <a:latin typeface="Cambria Math" panose="02040503050406030204" pitchFamily="18" charset="0"/>
                                       </a:rPr>
                                     </m:ctrlPr>
                                   </m:sSupPr>
                                   <m:e>
                                     <m:r>
-                                      <m:rPr>
-                                        <m:brk m:alnAt="23"/>
-                                      </m:rPr>
-                                      <a:rPr lang="en-US" altLang="zh-CN" b="0" i="1" smtClean="0">
+                                      <a:rPr lang="en-US" altLang="zh-CN" i="1">
                                         <a:latin typeface="Cambria Math" panose="02040503050406030204" pitchFamily="18" charset="0"/>
                                       </a:rPr>
                                       <m:t>𝑞</m:t>
@@ -42741,7 +42814,7 @@
                                   </m:e>
                                   <m:sup>
                                     <m:r>
-                                      <a:rPr lang="en-US" altLang="zh-CN" b="0" i="1" smtClean="0">
+                                      <a:rPr lang="en-US" altLang="zh-CN" i="1">
                                         <a:latin typeface="Cambria Math" panose="02040503050406030204" pitchFamily="18" charset="0"/>
                                       </a:rPr>
                                       <m:t>′</m:t>
@@ -42749,94 +42822,21 @@
                                   </m:sup>
                                 </m:sSup>
                                 <m:r>
-                                  <m:rPr>
-                                    <m:brk m:alnAt="23"/>
-                                  </m:rPr>
-                                  <a:rPr lang="en-US" altLang="zh-CN" b="0" i="1" smtClean="0">
+                                  <a:rPr lang="en-US" altLang="zh-CN" i="1">
                                     <a:latin typeface="Cambria Math" panose="02040503050406030204" pitchFamily="18" charset="0"/>
                                   </a:rPr>
-                                  <m:t>=</m:t>
+                                  <m:t>,</m:t>
                                 </m:r>
-                                <m:r>
-                                  <a:rPr lang="en-US" altLang="zh-CN" b="0" i="1" smtClean="0">
-                                    <a:latin typeface="Cambria Math" panose="02040503050406030204" pitchFamily="18" charset="0"/>
-                                  </a:rPr>
-                                  <m:t>1</m:t>
-                                </m:r>
-                              </m:sub>
-                              <m:sup>
-                                <m:r>
-                                  <a:rPr lang="en-US" altLang="zh-CN" b="0" i="1" smtClean="0">
-                                    <a:latin typeface="Cambria Math" panose="02040503050406030204" pitchFamily="18" charset="0"/>
-                                  </a:rPr>
-                                  <m:t>𝑞</m:t>
-                                </m:r>
-                                <m:r>
-                                  <a:rPr lang="en-US" altLang="zh-CN" b="0" i="1" smtClean="0">
-                                    <a:latin typeface="Cambria Math" panose="02040503050406030204" pitchFamily="18" charset="0"/>
-                                  </a:rPr>
-                                  <m:t>−1</m:t>
-                                </m:r>
-                              </m:sup>
-                              <m:e>
                                 <m:r>
                                   <a:rPr lang="en-US" altLang="zh-CN" i="1">
                                     <a:latin typeface="Cambria Math" panose="02040503050406030204" pitchFamily="18" charset="0"/>
                                   </a:rPr>
-                                  <m:t>𝑞𝑙𝑒𝑛</m:t>
+                                  <m:t>𝑡</m:t>
                                 </m:r>
-                                <m:d>
-                                  <m:dPr>
-                                    <m:ctrlPr>
-                                      <a:rPr lang="en-US" altLang="zh-CN" b="0" i="1" smtClean="0">
-                                        <a:latin typeface="Cambria Math" panose="02040503050406030204" pitchFamily="18" charset="0"/>
-                                      </a:rPr>
-                                    </m:ctrlPr>
-                                  </m:dPr>
-                                  <m:e>
-                                    <m:sSup>
-                                      <m:sSupPr>
-                                        <m:ctrlPr>
-                                          <a:rPr lang="en-US" altLang="zh-CN" b="0" i="1" smtClean="0">
-                                            <a:latin typeface="Cambria Math" panose="02040503050406030204" pitchFamily="18" charset="0"/>
-                                          </a:rPr>
-                                        </m:ctrlPr>
-                                      </m:sSupPr>
-                                      <m:e>
-                                        <m:r>
-                                          <a:rPr lang="en-US" altLang="zh-CN" b="0" i="1" smtClean="0">
-                                            <a:latin typeface="Cambria Math" panose="02040503050406030204" pitchFamily="18" charset="0"/>
-                                          </a:rPr>
-                                          <m:t>𝑞</m:t>
-                                        </m:r>
-                                      </m:e>
-                                      <m:sup>
-                                        <m:r>
-                                          <a:rPr lang="en-US" altLang="zh-CN" b="0" i="1" smtClean="0">
-                                            <a:latin typeface="Cambria Math" panose="02040503050406030204" pitchFamily="18" charset="0"/>
-                                          </a:rPr>
-                                          <m:t>′</m:t>
-                                        </m:r>
-                                      </m:sup>
-                                    </m:sSup>
-                                    <m:r>
-                                      <a:rPr lang="en-US" altLang="zh-CN" i="1">
-                                        <a:latin typeface="Cambria Math" panose="02040503050406030204" pitchFamily="18" charset="0"/>
-                                      </a:rPr>
-                                      <m:t>,</m:t>
-                                    </m:r>
-                                    <m:r>
-                                      <a:rPr lang="en-US" altLang="zh-CN" i="1">
-                                        <a:latin typeface="Cambria Math" panose="02040503050406030204" pitchFamily="18" charset="0"/>
-                                      </a:rPr>
-                                      <m:t>𝑡</m:t>
-                                    </m:r>
-                                  </m:e>
-                                </m:d>
                               </m:e>
-                            </m:nary>
+                            </m:d>
                           </m:e>
-                        </m:d>
+                        </m:nary>
                       </m:num>
                       <m:den>
                         <m:nary>
@@ -42966,7 +42966,7 @@
             </p:txBody>
           </p:sp>
         </mc:Choice>
-        <mc:Fallback xmlns="">
+        <mc:Fallback>
           <p:sp>
             <p:nvSpPr>
               <p:cNvPr id="8" name="文本框 7">
@@ -42983,8 +42983,8 @@
             </p:nvSpPr>
             <p:spPr>
               <a:xfrm>
-                <a:off x="1482811" y="1408719"/>
-                <a:ext cx="8889097" cy="774507"/>
+                <a:off x="1533611" y="1459847"/>
+                <a:ext cx="8889097" cy="734688"/>
               </a:xfrm>
               <a:prstGeom prst="rect">
                 <a:avLst/>
@@ -43041,8 +43041,8 @@
           <a:chExt cx="0" cy="0"/>
         </a:xfrm>
       </p:grpSpPr>
-      <mc:AlternateContent xmlns:mc="http://schemas.openxmlformats.org/markup-compatibility/2006">
-        <mc:Choice xmlns:a14="http://schemas.microsoft.com/office/drawing/2010/main" Requires="a14">
+      <mc:AlternateContent xmlns:mc="http://schemas.openxmlformats.org/markup-compatibility/2006" xmlns:a14="http://schemas.microsoft.com/office/drawing/2010/main">
+        <mc:Choice Requires="a14">
           <p:sp>
             <p:nvSpPr>
               <p:cNvPr id="4" name="文本框 3">
@@ -43471,7 +43471,7 @@
             </p:txBody>
           </p:sp>
         </mc:Choice>
-        <mc:Fallback>
+        <mc:Fallback xmlns="">
           <p:sp>
             <p:nvSpPr>
               <p:cNvPr id="4" name="文本框 3">
@@ -44137,8 +44137,8 @@
           </a:p>
         </p:txBody>
       </p:sp>
-      <mc:AlternateContent xmlns:mc="http://schemas.openxmlformats.org/markup-compatibility/2006">
-        <mc:Choice xmlns:a14="http://schemas.microsoft.com/office/drawing/2010/main" Requires="a14">
+      <mc:AlternateContent xmlns:mc="http://schemas.openxmlformats.org/markup-compatibility/2006" xmlns:a14="http://schemas.microsoft.com/office/drawing/2010/main">
+        <mc:Choice Requires="a14">
           <p:sp>
             <p:nvSpPr>
               <p:cNvPr id="7" name="文本框 6">
@@ -45261,7 +45261,7 @@
             </p:txBody>
           </p:sp>
         </mc:Choice>
-        <mc:Fallback>
+        <mc:Fallback xmlns="">
           <p:sp>
             <p:nvSpPr>
               <p:cNvPr id="7" name="文本框 6">
@@ -45306,8 +45306,8 @@
           </p:sp>
         </mc:Fallback>
       </mc:AlternateContent>
-      <mc:AlternateContent xmlns:mc="http://schemas.openxmlformats.org/markup-compatibility/2006" xmlns:a14="http://schemas.microsoft.com/office/drawing/2010/main">
-        <mc:Choice Requires="a14">
+      <mc:AlternateContent xmlns:mc="http://schemas.openxmlformats.org/markup-compatibility/2006">
+        <mc:Choice xmlns:a14="http://schemas.microsoft.com/office/drawing/2010/main" Requires="a14">
           <p:sp>
             <p:nvSpPr>
               <p:cNvPr id="9" name="文本框 8">
@@ -45323,7 +45323,7 @@
             <p:spPr>
               <a:xfrm>
                 <a:off x="1125946" y="3798388"/>
-                <a:ext cx="6527800" cy="1200329"/>
+                <a:ext cx="6527800" cy="1477328"/>
               </a:xfrm>
               <a:prstGeom prst="rect">
                 <a:avLst/>
@@ -45401,31 +45401,12 @@
                         </a:rPr>
                         <m:t>(</m:t>
                       </m:r>
-                      <m:sSub>
-                        <m:sSubPr>
-                          <m:ctrlPr>
-                            <a:rPr lang="en-US" altLang="zh-CN" i="1">
-                              <a:latin typeface="Cambria Math" panose="02040503050406030204" pitchFamily="18" charset="0"/>
-                            </a:rPr>
-                          </m:ctrlPr>
-                        </m:sSubPr>
-                        <m:e>
-                          <m:r>
-                            <a:rPr lang="en-US" altLang="zh-CN" i="1">
-                              <a:latin typeface="Cambria Math" panose="02040503050406030204" pitchFamily="18" charset="0"/>
-                            </a:rPr>
-                            <m:t>𝑡</m:t>
-                          </m:r>
-                        </m:e>
-                        <m:sub>
-                          <m:r>
-                            <a:rPr lang="en-US" altLang="zh-CN" i="1">
-                              <a:latin typeface="Cambria Math" panose="02040503050406030204" pitchFamily="18" charset="0"/>
-                            </a:rPr>
-                            <m:t>𝑘</m:t>
-                          </m:r>
-                        </m:sub>
-                      </m:sSub>
+                      <m:r>
+                        <a:rPr lang="en-US" altLang="zh-CN" b="0" i="1" smtClean="0">
+                          <a:latin typeface="Cambria Math" panose="02040503050406030204" pitchFamily="18" charset="0"/>
+                        </a:rPr>
+                        <m:t>𝑡</m:t>
+                      </m:r>
                       <m:r>
                         <a:rPr lang="en-US" altLang="zh-CN" b="0" i="1" smtClean="0">
                           <a:latin typeface="Cambria Math" panose="02040503050406030204" pitchFamily="18" charset="0"/>
@@ -45453,31 +45434,12 @@
                             </a:rPr>
                             <m:t>1,</m:t>
                           </m:r>
-                          <m:sSub>
-                            <m:sSubPr>
-                              <m:ctrlPr>
-                                <a:rPr lang="en-US" altLang="zh-CN" i="1">
-                                  <a:latin typeface="Cambria Math" panose="02040503050406030204" pitchFamily="18" charset="0"/>
-                                </a:rPr>
-                              </m:ctrlPr>
-                            </m:sSubPr>
-                            <m:e>
-                              <m:r>
-                                <a:rPr lang="en-US" altLang="zh-CN" i="1">
-                                  <a:latin typeface="Cambria Math" panose="02040503050406030204" pitchFamily="18" charset="0"/>
-                                </a:rPr>
-                                <m:t>𝑡</m:t>
-                              </m:r>
-                            </m:e>
-                            <m:sub>
-                              <m:r>
-                                <a:rPr lang="en-US" altLang="zh-CN" i="1">
-                                  <a:latin typeface="Cambria Math" panose="02040503050406030204" pitchFamily="18" charset="0"/>
-                                </a:rPr>
-                                <m:t>𝑘</m:t>
-                              </m:r>
-                            </m:sub>
-                          </m:sSub>
+                          <m:r>
+                            <a:rPr lang="en-US" altLang="zh-CN" b="0" i="1" smtClean="0">
+                              <a:latin typeface="Cambria Math" panose="02040503050406030204" pitchFamily="18" charset="0"/>
+                            </a:rPr>
+                            <m:t>𝑡</m:t>
+                          </m:r>
                         </m:e>
                       </m:d>
                       <m:r>
@@ -45513,31 +45475,12 @@
                             </a:rPr>
                             <m:t>,</m:t>
                           </m:r>
-                          <m:sSub>
-                            <m:sSubPr>
-                              <m:ctrlPr>
-                                <a:rPr lang="en-US" altLang="zh-CN" i="1">
-                                  <a:latin typeface="Cambria Math" panose="02040503050406030204" pitchFamily="18" charset="0"/>
-                                </a:rPr>
-                              </m:ctrlPr>
-                            </m:sSubPr>
-                            <m:e>
-                              <m:r>
-                                <a:rPr lang="en-US" altLang="zh-CN" i="1">
-                                  <a:latin typeface="Cambria Math" panose="02040503050406030204" pitchFamily="18" charset="0"/>
-                                </a:rPr>
-                                <m:t>𝑡</m:t>
-                              </m:r>
-                            </m:e>
-                            <m:sub>
-                              <m:r>
-                                <a:rPr lang="en-US" altLang="zh-CN" i="1">
-                                  <a:latin typeface="Cambria Math" panose="02040503050406030204" pitchFamily="18" charset="0"/>
-                                </a:rPr>
-                                <m:t>𝑘</m:t>
-                              </m:r>
-                            </m:sub>
-                          </m:sSub>
+                          <m:r>
+                            <a:rPr lang="en-US" altLang="zh-CN" b="0" i="1" smtClean="0">
+                              <a:latin typeface="Cambria Math" panose="02040503050406030204" pitchFamily="18" charset="0"/>
+                            </a:rPr>
+                            <m:t>𝑡</m:t>
+                          </m:r>
                         </m:e>
                       </m:d>
                       <m:r>
@@ -45573,31 +45516,12 @@
                             </a:rPr>
                             <m:t>,</m:t>
                           </m:r>
-                          <m:sSub>
-                            <m:sSubPr>
-                              <m:ctrlPr>
-                                <a:rPr lang="en-US" altLang="zh-CN" i="1">
-                                  <a:latin typeface="Cambria Math" panose="02040503050406030204" pitchFamily="18" charset="0"/>
-                                </a:rPr>
-                              </m:ctrlPr>
-                            </m:sSubPr>
-                            <m:e>
-                              <m:r>
-                                <a:rPr lang="en-US" altLang="zh-CN" i="1">
-                                  <a:latin typeface="Cambria Math" panose="02040503050406030204" pitchFamily="18" charset="0"/>
-                                </a:rPr>
-                                <m:t>𝑡</m:t>
-                              </m:r>
-                            </m:e>
-                            <m:sub>
-                              <m:r>
-                                <a:rPr lang="en-US" altLang="zh-CN" i="1">
-                                  <a:latin typeface="Cambria Math" panose="02040503050406030204" pitchFamily="18" charset="0"/>
-                                </a:rPr>
-                                <m:t>𝑘</m:t>
-                              </m:r>
-                            </m:sub>
-                          </m:sSub>
+                          <m:r>
+                            <a:rPr lang="en-US" altLang="zh-CN" b="0" i="1" smtClean="0">
+                              <a:latin typeface="Cambria Math" panose="02040503050406030204" pitchFamily="18" charset="0"/>
+                            </a:rPr>
+                            <m:t>𝑡</m:t>
+                          </m:r>
                         </m:e>
                       </m:d>
                       <m:r>
@@ -45609,6 +45533,9 @@
                     </m:oMath>
                   </m:oMathPara>
                 </a14:m>
+                <a:endParaRPr lang="en-US" altLang="zh-CN"/>
+              </a:p>
+              <a:p>
                 <a:endParaRPr lang="en-US" altLang="zh-CN"/>
               </a:p>
               <a:p>
@@ -45658,31 +45585,12 @@
                         </m:ctrlPr>
                       </m:dPr>
                       <m:e>
-                        <m:sSub>
-                          <m:sSubPr>
-                            <m:ctrlPr>
-                              <a:rPr lang="en-US" altLang="zh-CN" i="1">
-                                <a:latin typeface="Cambria Math" panose="02040503050406030204" pitchFamily="18" charset="0"/>
-                              </a:rPr>
-                            </m:ctrlPr>
-                          </m:sSubPr>
-                          <m:e>
-                            <m:r>
-                              <a:rPr lang="en-US" altLang="zh-CN" i="1">
-                                <a:latin typeface="Cambria Math" panose="02040503050406030204" pitchFamily="18" charset="0"/>
-                              </a:rPr>
-                              <m:t>𝑡</m:t>
-                            </m:r>
-                          </m:e>
-                          <m:sub>
-                            <m:r>
-                              <a:rPr lang="en-US" altLang="zh-CN" i="1">
-                                <a:latin typeface="Cambria Math" panose="02040503050406030204" pitchFamily="18" charset="0"/>
-                              </a:rPr>
-                              <m:t>𝑘</m:t>
-                            </m:r>
-                          </m:sub>
-                        </m:sSub>
+                        <m:r>
+                          <a:rPr lang="en-US" altLang="zh-CN" b="0" i="1" smtClean="0">
+                            <a:latin typeface="Cambria Math" panose="02040503050406030204" pitchFamily="18" charset="0"/>
+                          </a:rPr>
+                          <m:t>𝑡</m:t>
+                        </m:r>
                       </m:e>
                     </m:d>
                     <m:r>
@@ -45718,31 +45626,12 @@
                           </a:rPr>
                           <m:t>,</m:t>
                         </m:r>
-                        <m:sSub>
-                          <m:sSubPr>
-                            <m:ctrlPr>
-                              <a:rPr lang="en-US" altLang="zh-CN" i="1">
-                                <a:latin typeface="Cambria Math" panose="02040503050406030204" pitchFamily="18" charset="0"/>
-                              </a:rPr>
-                            </m:ctrlPr>
-                          </m:sSubPr>
-                          <m:e>
-                            <m:r>
-                              <a:rPr lang="en-US" altLang="zh-CN" i="1">
-                                <a:latin typeface="Cambria Math" panose="02040503050406030204" pitchFamily="18" charset="0"/>
-                              </a:rPr>
-                              <m:t>𝑡</m:t>
-                            </m:r>
-                          </m:e>
-                          <m:sub>
-                            <m:r>
-                              <a:rPr lang="en-US" altLang="zh-CN" i="1">
-                                <a:latin typeface="Cambria Math" panose="02040503050406030204" pitchFamily="18" charset="0"/>
-                              </a:rPr>
-                              <m:t>𝑘</m:t>
-                            </m:r>
-                          </m:sub>
-                        </m:sSub>
+                        <m:r>
+                          <a:rPr lang="en-US" altLang="zh-CN" b="0" i="1" smtClean="0">
+                            <a:latin typeface="Cambria Math" panose="02040503050406030204" pitchFamily="18" charset="0"/>
+                          </a:rPr>
+                          <m:t>𝑡</m:t>
+                        </m:r>
                       </m:e>
                     </m:d>
                     <m:r>
@@ -45778,31 +45667,12 @@
                           </a:rPr>
                           <m:t>,</m:t>
                         </m:r>
-                        <m:sSub>
-                          <m:sSubPr>
-                            <m:ctrlPr>
-                              <a:rPr lang="en-US" altLang="zh-CN" i="1">
-                                <a:latin typeface="Cambria Math" panose="02040503050406030204" pitchFamily="18" charset="0"/>
-                              </a:rPr>
-                            </m:ctrlPr>
-                          </m:sSubPr>
-                          <m:e>
-                            <m:r>
-                              <a:rPr lang="en-US" altLang="zh-CN" i="1">
-                                <a:latin typeface="Cambria Math" panose="02040503050406030204" pitchFamily="18" charset="0"/>
-                              </a:rPr>
-                              <m:t>𝑡</m:t>
-                            </m:r>
-                          </m:e>
-                          <m:sub>
-                            <m:r>
-                              <a:rPr lang="en-US" altLang="zh-CN" i="1">
-                                <a:latin typeface="Cambria Math" panose="02040503050406030204" pitchFamily="18" charset="0"/>
-                              </a:rPr>
-                              <m:t>𝑘</m:t>
-                            </m:r>
-                          </m:sub>
-                        </m:sSub>
+                        <m:r>
+                          <a:rPr lang="en-US" altLang="zh-CN" b="0" i="1" smtClean="0">
+                            <a:latin typeface="Cambria Math" panose="02040503050406030204" pitchFamily="18" charset="0"/>
+                          </a:rPr>
+                          <m:t>𝑡</m:t>
+                        </m:r>
                       </m:e>
                     </m:d>
                     <m:r>
@@ -45838,31 +45708,12 @@
                           </a:rPr>
                           <m:t>,</m:t>
                         </m:r>
-                        <m:sSub>
-                          <m:sSubPr>
-                            <m:ctrlPr>
-                              <a:rPr lang="en-US" altLang="zh-CN" i="1">
-                                <a:latin typeface="Cambria Math" panose="02040503050406030204" pitchFamily="18" charset="0"/>
-                              </a:rPr>
-                            </m:ctrlPr>
-                          </m:sSubPr>
-                          <m:e>
-                            <m:r>
-                              <a:rPr lang="en-US" altLang="zh-CN" i="1">
-                                <a:latin typeface="Cambria Math" panose="02040503050406030204" pitchFamily="18" charset="0"/>
-                              </a:rPr>
-                              <m:t>𝑡</m:t>
-                            </m:r>
-                          </m:e>
-                          <m:sub>
-                            <m:r>
-                              <a:rPr lang="en-US" altLang="zh-CN" i="1">
-                                <a:latin typeface="Cambria Math" panose="02040503050406030204" pitchFamily="18" charset="0"/>
-                              </a:rPr>
-                              <m:t>𝑘</m:t>
-                            </m:r>
-                          </m:sub>
-                        </m:sSub>
+                        <m:r>
+                          <a:rPr lang="en-US" altLang="zh-CN" b="0" i="1" smtClean="0">
+                            <a:latin typeface="Cambria Math" panose="02040503050406030204" pitchFamily="18" charset="0"/>
+                          </a:rPr>
+                          <m:t>𝑡</m:t>
+                        </m:r>
                       </m:e>
                     </m:d>
                     <m:r>
@@ -45912,31 +45763,12 @@
                           </a:rPr>
                           <m:t>,</m:t>
                         </m:r>
-                        <m:sSub>
-                          <m:sSubPr>
-                            <m:ctrlPr>
-                              <a:rPr lang="en-US" altLang="zh-CN" i="1">
-                                <a:latin typeface="Cambria Math" panose="02040503050406030204" pitchFamily="18" charset="0"/>
-                              </a:rPr>
-                            </m:ctrlPr>
-                          </m:sSubPr>
-                          <m:e>
-                            <m:r>
-                              <a:rPr lang="en-US" altLang="zh-CN" i="1">
-                                <a:latin typeface="Cambria Math" panose="02040503050406030204" pitchFamily="18" charset="0"/>
-                              </a:rPr>
-                              <m:t>𝑡</m:t>
-                            </m:r>
-                          </m:e>
-                          <m:sub>
-                            <m:r>
-                              <a:rPr lang="en-US" altLang="zh-CN" i="1">
-                                <a:latin typeface="Cambria Math" panose="02040503050406030204" pitchFamily="18" charset="0"/>
-                              </a:rPr>
-                              <m:t>𝑘</m:t>
-                            </m:r>
-                          </m:sub>
-                        </m:sSub>
+                        <m:r>
+                          <a:rPr lang="en-US" altLang="zh-CN" b="0" i="1" smtClean="0">
+                            <a:latin typeface="Cambria Math" panose="02040503050406030204" pitchFamily="18" charset="0"/>
+                          </a:rPr>
+                          <m:t>𝑡</m:t>
+                        </m:r>
                       </m:e>
                     </m:d>
                     <m:r>
@@ -45961,7 +45793,7 @@
             </p:txBody>
           </p:sp>
         </mc:Choice>
-        <mc:Fallback xmlns="">
+        <mc:Fallback>
           <p:sp>
             <p:nvSpPr>
               <p:cNvPr id="9" name="文本框 8">
@@ -45979,7 +45811,7 @@
             <p:spPr>
               <a:xfrm>
                 <a:off x="1125946" y="3798388"/>
-                <a:ext cx="6527800" cy="1200329"/>
+                <a:ext cx="6527800" cy="1477328"/>
               </a:xfrm>
               <a:prstGeom prst="rect">
                 <a:avLst/>
@@ -45987,7 +45819,7 @@
               <a:blipFill>
                 <a:blip r:embed="rId3"/>
                 <a:stretch>
-                  <a:fillRect l="-840" t="-2538" b="-6091"/>
+                  <a:fillRect l="-840" t="-2066" b="-4959"/>
                 </a:stretch>
               </a:blipFill>
             </p:spPr>
